--- a/Presentation/lesson-05.pptx
+++ b/Presentation/lesson-05.pptx
@@ -300,7 +300,7 @@
           <a:p>
             <a:fld id="{FAECF776-F836-4CCD-9497-99E5597B8B5D}" type="datetimeFigureOut">
               <a:rPr lang="en-US" smtClean="0"/>
-              <a:t>8/16/2012</a:t>
+              <a:t>8/26/2012</a:t>
             </a:fld>
             <a:endParaRPr lang="en-US"/>
           </a:p>
@@ -470,7 +470,7 @@
           <a:p>
             <a:fld id="{FAECF776-F836-4CCD-9497-99E5597B8B5D}" type="datetimeFigureOut">
               <a:rPr lang="en-US" smtClean="0"/>
-              <a:t>8/16/2012</a:t>
+              <a:t>8/26/2012</a:t>
             </a:fld>
             <a:endParaRPr lang="en-US"/>
           </a:p>
@@ -650,7 +650,7 @@
           <a:p>
             <a:fld id="{FAECF776-F836-4CCD-9497-99E5597B8B5D}" type="datetimeFigureOut">
               <a:rPr lang="en-US" smtClean="0"/>
-              <a:t>8/16/2012</a:t>
+              <a:t>8/26/2012</a:t>
             </a:fld>
             <a:endParaRPr lang="en-US"/>
           </a:p>
@@ -820,7 +820,7 @@
           <a:p>
             <a:fld id="{FAECF776-F836-4CCD-9497-99E5597B8B5D}" type="datetimeFigureOut">
               <a:rPr lang="en-US" smtClean="0"/>
-              <a:t>8/16/2012</a:t>
+              <a:t>8/26/2012</a:t>
             </a:fld>
             <a:endParaRPr lang="en-US"/>
           </a:p>
@@ -1066,7 +1066,7 @@
           <a:p>
             <a:fld id="{FAECF776-F836-4CCD-9497-99E5597B8B5D}" type="datetimeFigureOut">
               <a:rPr lang="en-US" smtClean="0"/>
-              <a:t>8/16/2012</a:t>
+              <a:t>8/26/2012</a:t>
             </a:fld>
             <a:endParaRPr lang="en-US"/>
           </a:p>
@@ -1354,7 +1354,7 @@
           <a:p>
             <a:fld id="{FAECF776-F836-4CCD-9497-99E5597B8B5D}" type="datetimeFigureOut">
               <a:rPr lang="en-US" smtClean="0"/>
-              <a:t>8/16/2012</a:t>
+              <a:t>8/26/2012</a:t>
             </a:fld>
             <a:endParaRPr lang="en-US"/>
           </a:p>
@@ -1776,7 +1776,7 @@
           <a:p>
             <a:fld id="{FAECF776-F836-4CCD-9497-99E5597B8B5D}" type="datetimeFigureOut">
               <a:rPr lang="en-US" smtClean="0"/>
-              <a:t>8/16/2012</a:t>
+              <a:t>8/26/2012</a:t>
             </a:fld>
             <a:endParaRPr lang="en-US"/>
           </a:p>
@@ -1894,7 +1894,7 @@
           <a:p>
             <a:fld id="{FAECF776-F836-4CCD-9497-99E5597B8B5D}" type="datetimeFigureOut">
               <a:rPr lang="en-US" smtClean="0"/>
-              <a:t>8/16/2012</a:t>
+              <a:t>8/26/2012</a:t>
             </a:fld>
             <a:endParaRPr lang="en-US"/>
           </a:p>
@@ -1989,7 +1989,7 @@
           <a:p>
             <a:fld id="{FAECF776-F836-4CCD-9497-99E5597B8B5D}" type="datetimeFigureOut">
               <a:rPr lang="en-US" smtClean="0"/>
-              <a:t>8/16/2012</a:t>
+              <a:t>8/26/2012</a:t>
             </a:fld>
             <a:endParaRPr lang="en-US"/>
           </a:p>
@@ -2266,7 +2266,7 @@
           <a:p>
             <a:fld id="{FAECF776-F836-4CCD-9497-99E5597B8B5D}" type="datetimeFigureOut">
               <a:rPr lang="en-US" smtClean="0"/>
-              <a:t>8/16/2012</a:t>
+              <a:t>8/26/2012</a:t>
             </a:fld>
             <a:endParaRPr lang="en-US"/>
           </a:p>
@@ -2519,7 +2519,7 @@
           <a:p>
             <a:fld id="{FAECF776-F836-4CCD-9497-99E5597B8B5D}" type="datetimeFigureOut">
               <a:rPr lang="en-US" smtClean="0"/>
-              <a:t>8/16/2012</a:t>
+              <a:t>8/26/2012</a:t>
             </a:fld>
             <a:endParaRPr lang="en-US"/>
           </a:p>
@@ -2732,7 +2732,7 @@
           <a:p>
             <a:fld id="{FAECF776-F836-4CCD-9497-99E5597B8B5D}" type="datetimeFigureOut">
               <a:rPr lang="en-US" smtClean="0"/>
-              <a:t>8/16/2012</a:t>
+              <a:t>8/26/2012</a:t>
             </a:fld>
             <a:endParaRPr lang="en-US"/>
           </a:p>
@@ -3239,8 +3239,8 @@
         </p:nvSpPr>
         <p:spPr>
           <a:xfrm>
-            <a:off x="2228185" y="2528900"/>
-            <a:ext cx="4687630" cy="461665"/>
+            <a:off x="143508" y="2528900"/>
+            <a:ext cx="8856983" cy="461665"/>
           </a:xfrm>
           <a:prstGeom prst="rect">
             <a:avLst/>
@@ -3248,11 +3248,12 @@
           <a:noFill/>
         </p:spPr>
         <p:txBody>
-          <a:bodyPr wrap="none" rtlCol="0">
+          <a:bodyPr wrap="square" rtlCol="0">
             <a:spAutoFit/>
           </a:bodyPr>
           <a:lstStyle/>
           <a:p>
+            <a:pPr algn="ctr"/>
             <a:r>
               <a:rPr lang="ru-RU" sz="2400" dirty="0">
                 <a:solidFill>
@@ -3283,7 +3284,7 @@
                   <a:schemeClr val="bg1"/>
                 </a:solidFill>
               </a:rPr>
-              <a:t>. Делегаты и события</a:t>
+              <a:t>. Делегаты и </a:t>
             </a:r>
             <a:r>
               <a:rPr lang="ru-RU" sz="2400" dirty="0" smtClean="0">
@@ -3291,7 +3292,7 @@
                   <a:schemeClr val="bg1"/>
                 </a:solidFill>
               </a:rPr>
-              <a:t>.</a:t>
+              <a:t>события</a:t>
             </a:r>
             <a:endParaRPr lang="en-US" sz="2400" dirty="0">
               <a:solidFill>

--- a/Presentation/lesson-05.pptx
+++ b/Presentation/lesson-05.pptx
@@ -18,6 +18,7 @@
     <p:sldId id="281" r:id="rId12"/>
     <p:sldId id="282" r:id="rId13"/>
     <p:sldId id="283" r:id="rId14"/>
+    <p:sldId id="284" r:id="rId15"/>
   </p:sldIdLst>
   <p:sldSz cx="9144000" cy="6858000" type="screen4x3"/>
   <p:notesSz cx="6858000" cy="9144000"/>
@@ -300,7 +301,7 @@
           <a:p>
             <a:fld id="{FAECF776-F836-4CCD-9497-99E5597B8B5D}" type="datetimeFigureOut">
               <a:rPr lang="en-US" smtClean="0"/>
-              <a:t>8/26/2012</a:t>
+              <a:t>8/27/2012</a:t>
             </a:fld>
             <a:endParaRPr lang="en-US"/>
           </a:p>
@@ -470,7 +471,7 @@
           <a:p>
             <a:fld id="{FAECF776-F836-4CCD-9497-99E5597B8B5D}" type="datetimeFigureOut">
               <a:rPr lang="en-US" smtClean="0"/>
-              <a:t>8/26/2012</a:t>
+              <a:t>8/27/2012</a:t>
             </a:fld>
             <a:endParaRPr lang="en-US"/>
           </a:p>
@@ -650,7 +651,7 @@
           <a:p>
             <a:fld id="{FAECF776-F836-4CCD-9497-99E5597B8B5D}" type="datetimeFigureOut">
               <a:rPr lang="en-US" smtClean="0"/>
-              <a:t>8/26/2012</a:t>
+              <a:t>8/27/2012</a:t>
             </a:fld>
             <a:endParaRPr lang="en-US"/>
           </a:p>
@@ -820,7 +821,7 @@
           <a:p>
             <a:fld id="{FAECF776-F836-4CCD-9497-99E5597B8B5D}" type="datetimeFigureOut">
               <a:rPr lang="en-US" smtClean="0"/>
-              <a:t>8/26/2012</a:t>
+              <a:t>8/27/2012</a:t>
             </a:fld>
             <a:endParaRPr lang="en-US"/>
           </a:p>
@@ -1066,7 +1067,7 @@
           <a:p>
             <a:fld id="{FAECF776-F836-4CCD-9497-99E5597B8B5D}" type="datetimeFigureOut">
               <a:rPr lang="en-US" smtClean="0"/>
-              <a:t>8/26/2012</a:t>
+              <a:t>8/27/2012</a:t>
             </a:fld>
             <a:endParaRPr lang="en-US"/>
           </a:p>
@@ -1354,7 +1355,7 @@
           <a:p>
             <a:fld id="{FAECF776-F836-4CCD-9497-99E5597B8B5D}" type="datetimeFigureOut">
               <a:rPr lang="en-US" smtClean="0"/>
-              <a:t>8/26/2012</a:t>
+              <a:t>8/27/2012</a:t>
             </a:fld>
             <a:endParaRPr lang="en-US"/>
           </a:p>
@@ -1776,7 +1777,7 @@
           <a:p>
             <a:fld id="{FAECF776-F836-4CCD-9497-99E5597B8B5D}" type="datetimeFigureOut">
               <a:rPr lang="en-US" smtClean="0"/>
-              <a:t>8/26/2012</a:t>
+              <a:t>8/27/2012</a:t>
             </a:fld>
             <a:endParaRPr lang="en-US"/>
           </a:p>
@@ -1894,7 +1895,7 @@
           <a:p>
             <a:fld id="{FAECF776-F836-4CCD-9497-99E5597B8B5D}" type="datetimeFigureOut">
               <a:rPr lang="en-US" smtClean="0"/>
-              <a:t>8/26/2012</a:t>
+              <a:t>8/27/2012</a:t>
             </a:fld>
             <a:endParaRPr lang="en-US"/>
           </a:p>
@@ -1989,7 +1990,7 @@
           <a:p>
             <a:fld id="{FAECF776-F836-4CCD-9497-99E5597B8B5D}" type="datetimeFigureOut">
               <a:rPr lang="en-US" smtClean="0"/>
-              <a:t>8/26/2012</a:t>
+              <a:t>8/27/2012</a:t>
             </a:fld>
             <a:endParaRPr lang="en-US"/>
           </a:p>
@@ -2266,7 +2267,7 @@
           <a:p>
             <a:fld id="{FAECF776-F836-4CCD-9497-99E5597B8B5D}" type="datetimeFigureOut">
               <a:rPr lang="en-US" smtClean="0"/>
-              <a:t>8/26/2012</a:t>
+              <a:t>8/27/2012</a:t>
             </a:fld>
             <a:endParaRPr lang="en-US"/>
           </a:p>
@@ -2519,7 +2520,7 @@
           <a:p>
             <a:fld id="{FAECF776-F836-4CCD-9497-99E5597B8B5D}" type="datetimeFigureOut">
               <a:rPr lang="en-US" smtClean="0"/>
-              <a:t>8/26/2012</a:t>
+              <a:t>8/27/2012</a:t>
             </a:fld>
             <a:endParaRPr lang="en-US"/>
           </a:p>
@@ -2732,7 +2733,7 @@
           <a:p>
             <a:fld id="{FAECF776-F836-4CCD-9497-99E5597B8B5D}" type="datetimeFigureOut">
               <a:rPr lang="en-US" smtClean="0"/>
-              <a:t>8/26/2012</a:t>
+              <a:t>8/27/2012</a:t>
             </a:fld>
             <a:endParaRPr lang="en-US"/>
           </a:p>
@@ -6635,250 +6636,6 @@
           </a:p>
         </p:txBody>
       </p:sp>
-      <p:sp>
-        <p:nvSpPr>
-          <p:cNvPr id="12295" name="Прямоугольник 6"/>
-          <p:cNvSpPr>
-            <a:spLocks noChangeArrowheads="1"/>
-          </p:cNvSpPr>
-          <p:nvPr/>
-        </p:nvSpPr>
-        <p:spPr bwMode="auto">
-          <a:xfrm>
-            <a:off x="685800" y="5167313"/>
-            <a:ext cx="7924800" cy="461962"/>
-          </a:xfrm>
-          <a:prstGeom prst="rect">
-            <a:avLst/>
-          </a:prstGeom>
-          <a:noFill/>
-          <a:ln>
-            <a:noFill/>
-          </a:ln>
-          <a:extLst>
-            <a:ext uri="{909E8E84-426E-40DD-AFC4-6F175D3DCCD1}">
-              <a14:hiddenFill xmlns:a14="http://schemas.microsoft.com/office/drawing/2010/main">
-                <a:solidFill>
-                  <a:srgbClr val="FFFFFF"/>
-                </a:solidFill>
-              </a14:hiddenFill>
-            </a:ext>
-            <a:ext uri="{91240B29-F687-4F45-9708-019B960494DF}">
-              <a14:hiddenLine xmlns:a14="http://schemas.microsoft.com/office/drawing/2010/main" w="9525">
-                <a:solidFill>
-                  <a:srgbClr val="000000"/>
-                </a:solidFill>
-                <a:miter lim="800000"/>
-                <a:headEnd/>
-                <a:tailEnd/>
-              </a14:hiddenLine>
-            </a:ext>
-          </a:extLst>
-        </p:spPr>
-        <p:txBody>
-          <a:bodyPr>
-            <a:spAutoFit/>
-          </a:bodyPr>
-          <a:lstStyle/>
-          <a:p>
-            <a:pPr algn="ctr" eaLnBrk="0" hangingPunct="0">
-              <a:tabLst>
-                <a:tab pos="457200" algn="l"/>
-              </a:tabLst>
-            </a:pPr>
-            <a:r>
-              <a:rPr lang="ru-RU" sz="2400">
-                <a:cs typeface="Times New Roman" pitchFamily="18" charset="0"/>
-              </a:rPr>
-              <a:t>Практика.</a:t>
-            </a:r>
-            <a:endParaRPr lang="ru-RU" sz="2400"/>
-          </a:p>
-        </p:txBody>
-      </p:sp>
-      <p:sp>
-        <p:nvSpPr>
-          <p:cNvPr id="12296" name="TextBox 6"/>
-          <p:cNvSpPr txBox="1">
-            <a:spLocks noChangeArrowheads="1"/>
-          </p:cNvSpPr>
-          <p:nvPr/>
-        </p:nvSpPr>
-        <p:spPr bwMode="auto">
-          <a:xfrm>
-            <a:off x="152400" y="5553075"/>
-            <a:ext cx="8839200" cy="369888"/>
-          </a:xfrm>
-          <a:prstGeom prst="rect">
-            <a:avLst/>
-          </a:prstGeom>
-          <a:noFill/>
-          <a:ln>
-            <a:noFill/>
-          </a:ln>
-          <a:extLst>
-            <a:ext uri="{909E8E84-426E-40DD-AFC4-6F175D3DCCD1}">
-              <a14:hiddenFill xmlns:a14="http://schemas.microsoft.com/office/drawing/2010/main">
-                <a:solidFill>
-                  <a:srgbClr val="FFFFFF"/>
-                </a:solidFill>
-              </a14:hiddenFill>
-            </a:ext>
-            <a:ext uri="{91240B29-F687-4F45-9708-019B960494DF}">
-              <a14:hiddenLine xmlns:a14="http://schemas.microsoft.com/office/drawing/2010/main" w="9525">
-                <a:solidFill>
-                  <a:srgbClr val="000000"/>
-                </a:solidFill>
-                <a:miter lim="800000"/>
-                <a:headEnd/>
-                <a:tailEnd/>
-              </a14:hiddenLine>
-            </a:ext>
-          </a:extLst>
-        </p:spPr>
-        <p:txBody>
-          <a:bodyPr>
-            <a:spAutoFit/>
-          </a:bodyPr>
-          <a:lstStyle>
-            <a:lvl1pPr defTabSz="358775" eaLnBrk="0" hangingPunct="0">
-              <a:defRPr>
-                <a:solidFill>
-                  <a:schemeClr val="tx1"/>
-                </a:solidFill>
-                <a:latin typeface="Arial" charset="0"/>
-              </a:defRPr>
-            </a:lvl1pPr>
-            <a:lvl2pPr marL="742950" indent="-285750" defTabSz="358775" eaLnBrk="0" hangingPunct="0">
-              <a:defRPr>
-                <a:solidFill>
-                  <a:schemeClr val="tx1"/>
-                </a:solidFill>
-                <a:latin typeface="Arial" charset="0"/>
-              </a:defRPr>
-            </a:lvl2pPr>
-            <a:lvl3pPr marL="1143000" indent="-228600" defTabSz="358775" eaLnBrk="0" hangingPunct="0">
-              <a:defRPr>
-                <a:solidFill>
-                  <a:schemeClr val="tx1"/>
-                </a:solidFill>
-                <a:latin typeface="Arial" charset="0"/>
-              </a:defRPr>
-            </a:lvl3pPr>
-            <a:lvl4pPr marL="1600200" indent="-228600" defTabSz="358775" eaLnBrk="0" hangingPunct="0">
-              <a:defRPr>
-                <a:solidFill>
-                  <a:schemeClr val="tx1"/>
-                </a:solidFill>
-                <a:latin typeface="Arial" charset="0"/>
-              </a:defRPr>
-            </a:lvl4pPr>
-            <a:lvl5pPr marL="2057400" indent="-228600" defTabSz="358775" eaLnBrk="0" hangingPunct="0">
-              <a:defRPr>
-                <a:solidFill>
-                  <a:schemeClr val="tx1"/>
-                </a:solidFill>
-                <a:latin typeface="Arial" charset="0"/>
-              </a:defRPr>
-            </a:lvl5pPr>
-            <a:lvl6pPr marL="2514600" indent="-228600" defTabSz="358775" eaLnBrk="0" fontAlgn="base" hangingPunct="0">
-              <a:spcBef>
-                <a:spcPct val="0"/>
-              </a:spcBef>
-              <a:spcAft>
-                <a:spcPct val="0"/>
-              </a:spcAft>
-              <a:defRPr>
-                <a:solidFill>
-                  <a:schemeClr val="tx1"/>
-                </a:solidFill>
-                <a:latin typeface="Arial" charset="0"/>
-              </a:defRPr>
-            </a:lvl6pPr>
-            <a:lvl7pPr marL="2971800" indent="-228600" defTabSz="358775" eaLnBrk="0" fontAlgn="base" hangingPunct="0">
-              <a:spcBef>
-                <a:spcPct val="0"/>
-              </a:spcBef>
-              <a:spcAft>
-                <a:spcPct val="0"/>
-              </a:spcAft>
-              <a:defRPr>
-                <a:solidFill>
-                  <a:schemeClr val="tx1"/>
-                </a:solidFill>
-                <a:latin typeface="Arial" charset="0"/>
-              </a:defRPr>
-            </a:lvl7pPr>
-            <a:lvl8pPr marL="3429000" indent="-228600" defTabSz="358775" eaLnBrk="0" fontAlgn="base" hangingPunct="0">
-              <a:spcBef>
-                <a:spcPct val="0"/>
-              </a:spcBef>
-              <a:spcAft>
-                <a:spcPct val="0"/>
-              </a:spcAft>
-              <a:defRPr>
-                <a:solidFill>
-                  <a:schemeClr val="tx1"/>
-                </a:solidFill>
-                <a:latin typeface="Arial" charset="0"/>
-              </a:defRPr>
-            </a:lvl8pPr>
-            <a:lvl9pPr marL="3886200" indent="-228600" defTabSz="358775" eaLnBrk="0" fontAlgn="base" hangingPunct="0">
-              <a:spcBef>
-                <a:spcPct val="0"/>
-              </a:spcBef>
-              <a:spcAft>
-                <a:spcPct val="0"/>
-              </a:spcAft>
-              <a:defRPr>
-                <a:solidFill>
-                  <a:schemeClr val="tx1"/>
-                </a:solidFill>
-                <a:latin typeface="Arial" charset="0"/>
-              </a:defRPr>
-            </a:lvl9pPr>
-          </a:lstStyle>
-          <a:p>
-            <a:pPr eaLnBrk="1" hangingPunct="1"/>
-            <a:r>
-              <a:rPr lang="ru-RU" i="1" dirty="0">
-                <a:cs typeface="Arial" charset="0"/>
-              </a:rPr>
-              <a:t>	Создание класса </a:t>
-            </a:r>
-            <a:r>
-              <a:rPr lang="en-US" i="1" dirty="0">
-                <a:cs typeface="Arial" charset="0"/>
-              </a:rPr>
-              <a:t>“</a:t>
-            </a:r>
-            <a:r>
-              <a:rPr lang="ru-RU" i="1" dirty="0">
-                <a:cs typeface="Arial" charset="0"/>
-              </a:rPr>
-              <a:t>Секундомер</a:t>
-            </a:r>
-            <a:r>
-              <a:rPr lang="en-US" i="1" dirty="0">
-                <a:cs typeface="Arial" charset="0"/>
-              </a:rPr>
-              <a:t>”</a:t>
-            </a:r>
-            <a:r>
-              <a:rPr lang="ru-RU" i="1" dirty="0">
-                <a:cs typeface="Arial" charset="0"/>
-              </a:rPr>
-              <a:t>, используя события и объект класса </a:t>
-            </a:r>
-            <a:r>
-              <a:rPr lang="en-US" i="1" dirty="0">
-                <a:cs typeface="Arial" charset="0"/>
-              </a:rPr>
-              <a:t>Timer.</a:t>
-            </a:r>
-          </a:p>
-        </p:txBody>
-      </p:sp>
     </p:spTree>
     <p:extLst>
       <p:ext uri="{BB962C8B-B14F-4D97-AF65-F5344CB8AC3E}">
@@ -7919,6 +7676,370 @@
     <p:extLst>
       <p:ext uri="{BB962C8B-B14F-4D97-AF65-F5344CB8AC3E}">
         <p14:creationId xmlns:p14="http://schemas.microsoft.com/office/powerpoint/2010/main" val="3423374744"/>
+      </p:ext>
+    </p:extLst>
+  </p:cSld>
+  <p:clrMapOvr>
+    <a:masterClrMapping/>
+  </p:clrMapOvr>
+  <p:timing>
+    <p:tnLst>
+      <p:par>
+        <p:cTn id="1" dur="indefinite" restart="never" nodeType="tmRoot"/>
+      </p:par>
+    </p:tnLst>
+  </p:timing>
+</p:sld>
+</file>
+
+<file path=ppt/slides/slide14.xml><?xml version="1.0" encoding="utf-8"?>
+<p:sld xmlns:a="http://schemas.openxmlformats.org/drawingml/2006/main" xmlns:r="http://schemas.openxmlformats.org/officeDocument/2006/relationships" xmlns:p="http://schemas.openxmlformats.org/presentationml/2006/main">
+  <p:cSld>
+    <p:bg>
+      <p:bgPr>
+        <a:blipFill dpi="0" rotWithShape="1">
+          <a:blip r:embed="rId2">
+            <a:lum/>
+          </a:blip>
+          <a:srcRect/>
+          <a:stretch>
+            <a:fillRect/>
+          </a:stretch>
+        </a:blipFill>
+        <a:effectLst/>
+      </p:bgPr>
+    </p:bg>
+    <p:spTree>
+      <p:nvGrpSpPr>
+        <p:cNvPr id="1" name=""/>
+        <p:cNvGrpSpPr/>
+        <p:nvPr/>
+      </p:nvGrpSpPr>
+      <p:grpSpPr>
+        <a:xfrm>
+          <a:off x="0" y="0"/>
+          <a:ext cx="0" cy="0"/>
+          <a:chOff x="0" y="0"/>
+          <a:chExt cx="0" cy="0"/>
+        </a:xfrm>
+      </p:grpSpPr>
+      <p:sp>
+        <p:nvSpPr>
+          <p:cNvPr id="12290" name="Прямоугольник 2"/>
+          <p:cNvSpPr>
+            <a:spLocks noChangeArrowheads="1"/>
+          </p:cNvSpPr>
+          <p:nvPr/>
+        </p:nvSpPr>
+        <p:spPr bwMode="auto">
+          <a:xfrm>
+            <a:off x="2133600" y="0"/>
+            <a:ext cx="5105400" cy="461963"/>
+          </a:xfrm>
+          <a:prstGeom prst="rect">
+            <a:avLst/>
+          </a:prstGeom>
+          <a:noFill/>
+          <a:ln>
+            <a:noFill/>
+          </a:ln>
+          <a:extLst>
+            <a:ext uri="{909E8E84-426E-40DD-AFC4-6F175D3DCCD1}">
+              <a14:hiddenFill xmlns:a14="http://schemas.microsoft.com/office/drawing/2010/main">
+                <a:solidFill>
+                  <a:srgbClr val="FFFFFF"/>
+                </a:solidFill>
+              </a14:hiddenFill>
+            </a:ext>
+            <a:ext uri="{91240B29-F687-4F45-9708-019B960494DF}">
+              <a14:hiddenLine xmlns:a14="http://schemas.microsoft.com/office/drawing/2010/main" w="9525">
+                <a:solidFill>
+                  <a:srgbClr val="000000"/>
+                </a:solidFill>
+                <a:miter lim="800000"/>
+                <a:headEnd/>
+                <a:tailEnd/>
+              </a14:hiddenLine>
+            </a:ext>
+          </a:extLst>
+        </p:spPr>
+        <p:txBody>
+          <a:bodyPr>
+            <a:spAutoFit/>
+          </a:bodyPr>
+          <a:lstStyle/>
+          <a:p>
+            <a:pPr algn="ctr"/>
+            <a:r>
+              <a:rPr lang="ru-RU" sz="2400" b="1" dirty="0" smtClean="0"/>
+              <a:t>Практика</a:t>
+            </a:r>
+            <a:endParaRPr lang="ru-RU" sz="2400" b="1" dirty="0"/>
+          </a:p>
+        </p:txBody>
+      </p:sp>
+      <p:sp>
+        <p:nvSpPr>
+          <p:cNvPr id="8" name="TextBox 6"/>
+          <p:cNvSpPr txBox="1">
+            <a:spLocks noChangeArrowheads="1"/>
+          </p:cNvSpPr>
+          <p:nvPr/>
+        </p:nvSpPr>
+        <p:spPr bwMode="auto">
+          <a:xfrm>
+            <a:off x="152400" y="620688"/>
+            <a:ext cx="8839200" cy="1754326"/>
+          </a:xfrm>
+          <a:prstGeom prst="rect">
+            <a:avLst/>
+          </a:prstGeom>
+          <a:noFill/>
+          <a:ln>
+            <a:noFill/>
+          </a:ln>
+          <a:extLst>
+            <a:ext uri="{909E8E84-426E-40DD-AFC4-6F175D3DCCD1}">
+              <a14:hiddenFill xmlns:a14="http://schemas.microsoft.com/office/drawing/2010/main">
+                <a:solidFill>
+                  <a:srgbClr val="FFFFFF"/>
+                </a:solidFill>
+              </a14:hiddenFill>
+            </a:ext>
+            <a:ext uri="{91240B29-F687-4F45-9708-019B960494DF}">
+              <a14:hiddenLine xmlns:a14="http://schemas.microsoft.com/office/drawing/2010/main" w="9525">
+                <a:solidFill>
+                  <a:srgbClr val="000000"/>
+                </a:solidFill>
+                <a:miter lim="800000"/>
+                <a:headEnd/>
+                <a:tailEnd/>
+              </a14:hiddenLine>
+            </a:ext>
+          </a:extLst>
+        </p:spPr>
+        <p:txBody>
+          <a:bodyPr>
+            <a:spAutoFit/>
+          </a:bodyPr>
+          <a:lstStyle>
+            <a:lvl1pPr defTabSz="358775" eaLnBrk="0" hangingPunct="0">
+              <a:defRPr>
+                <a:solidFill>
+                  <a:schemeClr val="tx1"/>
+                </a:solidFill>
+                <a:latin typeface="Arial" charset="0"/>
+              </a:defRPr>
+            </a:lvl1pPr>
+            <a:lvl2pPr marL="742950" indent="-285750" defTabSz="358775" eaLnBrk="0" hangingPunct="0">
+              <a:defRPr>
+                <a:solidFill>
+                  <a:schemeClr val="tx1"/>
+                </a:solidFill>
+                <a:latin typeface="Arial" charset="0"/>
+              </a:defRPr>
+            </a:lvl2pPr>
+            <a:lvl3pPr marL="1143000" indent="-228600" defTabSz="358775" eaLnBrk="0" hangingPunct="0">
+              <a:defRPr>
+                <a:solidFill>
+                  <a:schemeClr val="tx1"/>
+                </a:solidFill>
+                <a:latin typeface="Arial" charset="0"/>
+              </a:defRPr>
+            </a:lvl3pPr>
+            <a:lvl4pPr marL="1600200" indent="-228600" defTabSz="358775" eaLnBrk="0" hangingPunct="0">
+              <a:defRPr>
+                <a:solidFill>
+                  <a:schemeClr val="tx1"/>
+                </a:solidFill>
+                <a:latin typeface="Arial" charset="0"/>
+              </a:defRPr>
+            </a:lvl4pPr>
+            <a:lvl5pPr marL="2057400" indent="-228600" defTabSz="358775" eaLnBrk="0" hangingPunct="0">
+              <a:defRPr>
+                <a:solidFill>
+                  <a:schemeClr val="tx1"/>
+                </a:solidFill>
+                <a:latin typeface="Arial" charset="0"/>
+              </a:defRPr>
+            </a:lvl5pPr>
+            <a:lvl6pPr marL="2514600" indent="-228600" defTabSz="358775" eaLnBrk="0" fontAlgn="base" hangingPunct="0">
+              <a:spcBef>
+                <a:spcPct val="0"/>
+              </a:spcBef>
+              <a:spcAft>
+                <a:spcPct val="0"/>
+              </a:spcAft>
+              <a:defRPr>
+                <a:solidFill>
+                  <a:schemeClr val="tx1"/>
+                </a:solidFill>
+                <a:latin typeface="Arial" charset="0"/>
+              </a:defRPr>
+            </a:lvl6pPr>
+            <a:lvl7pPr marL="2971800" indent="-228600" defTabSz="358775" eaLnBrk="0" fontAlgn="base" hangingPunct="0">
+              <a:spcBef>
+                <a:spcPct val="0"/>
+              </a:spcBef>
+              <a:spcAft>
+                <a:spcPct val="0"/>
+              </a:spcAft>
+              <a:defRPr>
+                <a:solidFill>
+                  <a:schemeClr val="tx1"/>
+                </a:solidFill>
+                <a:latin typeface="Arial" charset="0"/>
+              </a:defRPr>
+            </a:lvl7pPr>
+            <a:lvl8pPr marL="3429000" indent="-228600" defTabSz="358775" eaLnBrk="0" fontAlgn="base" hangingPunct="0">
+              <a:spcBef>
+                <a:spcPct val="0"/>
+              </a:spcBef>
+              <a:spcAft>
+                <a:spcPct val="0"/>
+              </a:spcAft>
+              <a:defRPr>
+                <a:solidFill>
+                  <a:schemeClr val="tx1"/>
+                </a:solidFill>
+                <a:latin typeface="Arial" charset="0"/>
+              </a:defRPr>
+            </a:lvl8pPr>
+            <a:lvl9pPr marL="3886200" indent="-228600" defTabSz="358775" eaLnBrk="0" fontAlgn="base" hangingPunct="0">
+              <a:spcBef>
+                <a:spcPct val="0"/>
+              </a:spcBef>
+              <a:spcAft>
+                <a:spcPct val="0"/>
+              </a:spcAft>
+              <a:defRPr>
+                <a:solidFill>
+                  <a:schemeClr val="tx1"/>
+                </a:solidFill>
+                <a:latin typeface="Arial" charset="0"/>
+              </a:defRPr>
+            </a:lvl9pPr>
+          </a:lstStyle>
+          <a:p>
+            <a:pPr eaLnBrk="1" hangingPunct="1"/>
+            <a:r>
+              <a:rPr lang="ru-RU" i="1" dirty="0">
+                <a:cs typeface="Arial" charset="0"/>
+              </a:rPr>
+              <a:t>	Создание класса </a:t>
+            </a:r>
+            <a:r>
+              <a:rPr lang="en-US" i="1" dirty="0">
+                <a:cs typeface="Arial" charset="0"/>
+              </a:rPr>
+              <a:t>“</a:t>
+            </a:r>
+            <a:r>
+              <a:rPr lang="ru-RU" i="1" dirty="0">
+                <a:cs typeface="Arial" charset="0"/>
+              </a:rPr>
+              <a:t>Секундомер</a:t>
+            </a:r>
+            <a:r>
+              <a:rPr lang="en-US" i="1" dirty="0">
+                <a:cs typeface="Arial" charset="0"/>
+              </a:rPr>
+              <a:t>”</a:t>
+            </a:r>
+            <a:r>
+              <a:rPr lang="ru-RU" i="1" dirty="0">
+                <a:cs typeface="Arial" charset="0"/>
+              </a:rPr>
+              <a:t>, используя события и объект класса </a:t>
+            </a:r>
+            <a:r>
+              <a:rPr lang="en-US" i="1" dirty="0">
+                <a:cs typeface="Arial" charset="0"/>
+              </a:rPr>
+              <a:t>Timer</a:t>
+            </a:r>
+            <a:r>
+              <a:rPr lang="en-US" i="1" dirty="0" smtClean="0">
+                <a:cs typeface="Arial" charset="0"/>
+              </a:rPr>
+              <a:t>.</a:t>
+            </a:r>
+            <a:endParaRPr lang="ru-RU" i="1" dirty="0" smtClean="0">
+              <a:cs typeface="Arial" charset="0"/>
+            </a:endParaRPr>
+          </a:p>
+          <a:p>
+            <a:pPr eaLnBrk="1" hangingPunct="1"/>
+            <a:endParaRPr lang="ru-RU" i="1" dirty="0">
+              <a:cs typeface="Arial" charset="0"/>
+            </a:endParaRPr>
+          </a:p>
+          <a:p>
+            <a:pPr eaLnBrk="1" hangingPunct="1"/>
+            <a:r>
+              <a:rPr lang="ru-RU" i="1" dirty="0" smtClean="0">
+                <a:cs typeface="Arial" charset="0"/>
+              </a:rPr>
+              <a:t>Приложение </a:t>
+            </a:r>
+            <a:r>
+              <a:rPr lang="en-US" i="1" dirty="0" err="1" smtClean="0">
+                <a:cs typeface="Arial" charset="0"/>
+              </a:rPr>
+              <a:t>WindowsForms</a:t>
+            </a:r>
+            <a:endParaRPr lang="en-US" i="1" dirty="0" smtClean="0">
+              <a:cs typeface="Arial" charset="0"/>
+            </a:endParaRPr>
+          </a:p>
+          <a:p>
+            <a:pPr eaLnBrk="1" hangingPunct="1"/>
+            <a:endParaRPr lang="en-US" i="1" dirty="0">
+              <a:cs typeface="Arial" charset="0"/>
+            </a:endParaRPr>
+          </a:p>
+          <a:p>
+            <a:pPr eaLnBrk="1" hangingPunct="1"/>
+            <a:r>
+              <a:rPr lang="ru-RU" i="1" dirty="0" smtClean="0">
+                <a:cs typeface="Arial" charset="0"/>
+              </a:rPr>
+              <a:t>Для хранения промежутка времени используйте структуру </a:t>
+            </a:r>
+            <a:r>
+              <a:rPr lang="en-US" i="1" dirty="0" err="1" smtClean="0">
+                <a:cs typeface="Arial" charset="0"/>
+              </a:rPr>
+              <a:t>TimeSpan</a:t>
+            </a:r>
+            <a:r>
+              <a:rPr lang="ru-RU" i="1" dirty="0" smtClean="0">
+                <a:cs typeface="Arial" charset="0"/>
+              </a:rPr>
+              <a:t>. Для форматированного вывода </a:t>
+            </a:r>
+            <a:r>
+              <a:rPr lang="en-US" i="1" dirty="0" err="1" smtClean="0">
+                <a:cs typeface="Arial" charset="0"/>
+              </a:rPr>
+              <a:t>String.Format</a:t>
+            </a:r>
+            <a:r>
+              <a:rPr lang="en-US" i="1" dirty="0" smtClean="0">
+                <a:cs typeface="Arial" charset="0"/>
+              </a:rPr>
+              <a:t>()</a:t>
+            </a:r>
+            <a:endParaRPr lang="en-US" i="1" dirty="0">
+              <a:cs typeface="Arial" charset="0"/>
+            </a:endParaRPr>
+          </a:p>
+        </p:txBody>
+      </p:sp>
+    </p:spTree>
+    <p:extLst>
+      <p:ext uri="{BB962C8B-B14F-4D97-AF65-F5344CB8AC3E}">
+        <p14:creationId xmlns:p14="http://schemas.microsoft.com/office/powerpoint/2010/main" val="1333012541"/>
       </p:ext>
     </p:extLst>
   </p:cSld>

--- a/Presentation/lesson-05.pptx
+++ b/Presentation/lesson-05.pptx
@@ -301,7 +301,7 @@
           <a:p>
             <a:fld id="{FAECF776-F836-4CCD-9497-99E5597B8B5D}" type="datetimeFigureOut">
               <a:rPr lang="en-US" smtClean="0"/>
-              <a:t>8/27/2012</a:t>
+              <a:t>11/1/2012</a:t>
             </a:fld>
             <a:endParaRPr lang="en-US"/>
           </a:p>
@@ -471,7 +471,7 @@
           <a:p>
             <a:fld id="{FAECF776-F836-4CCD-9497-99E5597B8B5D}" type="datetimeFigureOut">
               <a:rPr lang="en-US" smtClean="0"/>
-              <a:t>8/27/2012</a:t>
+              <a:t>11/1/2012</a:t>
             </a:fld>
             <a:endParaRPr lang="en-US"/>
           </a:p>
@@ -651,7 +651,7 @@
           <a:p>
             <a:fld id="{FAECF776-F836-4CCD-9497-99E5597B8B5D}" type="datetimeFigureOut">
               <a:rPr lang="en-US" smtClean="0"/>
-              <a:t>8/27/2012</a:t>
+              <a:t>11/1/2012</a:t>
             </a:fld>
             <a:endParaRPr lang="en-US"/>
           </a:p>
@@ -821,7 +821,7 @@
           <a:p>
             <a:fld id="{FAECF776-F836-4CCD-9497-99E5597B8B5D}" type="datetimeFigureOut">
               <a:rPr lang="en-US" smtClean="0"/>
-              <a:t>8/27/2012</a:t>
+              <a:t>11/1/2012</a:t>
             </a:fld>
             <a:endParaRPr lang="en-US"/>
           </a:p>
@@ -1067,7 +1067,7 @@
           <a:p>
             <a:fld id="{FAECF776-F836-4CCD-9497-99E5597B8B5D}" type="datetimeFigureOut">
               <a:rPr lang="en-US" smtClean="0"/>
-              <a:t>8/27/2012</a:t>
+              <a:t>11/1/2012</a:t>
             </a:fld>
             <a:endParaRPr lang="en-US"/>
           </a:p>
@@ -1355,7 +1355,7 @@
           <a:p>
             <a:fld id="{FAECF776-F836-4CCD-9497-99E5597B8B5D}" type="datetimeFigureOut">
               <a:rPr lang="en-US" smtClean="0"/>
-              <a:t>8/27/2012</a:t>
+              <a:t>11/1/2012</a:t>
             </a:fld>
             <a:endParaRPr lang="en-US"/>
           </a:p>
@@ -1777,7 +1777,7 @@
           <a:p>
             <a:fld id="{FAECF776-F836-4CCD-9497-99E5597B8B5D}" type="datetimeFigureOut">
               <a:rPr lang="en-US" smtClean="0"/>
-              <a:t>8/27/2012</a:t>
+              <a:t>11/1/2012</a:t>
             </a:fld>
             <a:endParaRPr lang="en-US"/>
           </a:p>
@@ -1895,7 +1895,7 @@
           <a:p>
             <a:fld id="{FAECF776-F836-4CCD-9497-99E5597B8B5D}" type="datetimeFigureOut">
               <a:rPr lang="en-US" smtClean="0"/>
-              <a:t>8/27/2012</a:t>
+              <a:t>11/1/2012</a:t>
             </a:fld>
             <a:endParaRPr lang="en-US"/>
           </a:p>
@@ -1990,7 +1990,7 @@
           <a:p>
             <a:fld id="{FAECF776-F836-4CCD-9497-99E5597B8B5D}" type="datetimeFigureOut">
               <a:rPr lang="en-US" smtClean="0"/>
-              <a:t>8/27/2012</a:t>
+              <a:t>11/1/2012</a:t>
             </a:fld>
             <a:endParaRPr lang="en-US"/>
           </a:p>
@@ -2267,7 +2267,7 @@
           <a:p>
             <a:fld id="{FAECF776-F836-4CCD-9497-99E5597B8B5D}" type="datetimeFigureOut">
               <a:rPr lang="en-US" smtClean="0"/>
-              <a:t>8/27/2012</a:t>
+              <a:t>11/1/2012</a:t>
             </a:fld>
             <a:endParaRPr lang="en-US"/>
           </a:p>
@@ -2520,7 +2520,7 @@
           <a:p>
             <a:fld id="{FAECF776-F836-4CCD-9497-99E5597B8B5D}" type="datetimeFigureOut">
               <a:rPr lang="en-US" smtClean="0"/>
-              <a:t>8/27/2012</a:t>
+              <a:t>11/1/2012</a:t>
             </a:fld>
             <a:endParaRPr lang="en-US"/>
           </a:p>
@@ -2733,7 +2733,7 @@
           <a:p>
             <a:fld id="{FAECF776-F836-4CCD-9497-99E5597B8B5D}" type="datetimeFigureOut">
               <a:rPr lang="en-US" smtClean="0"/>
-              <a:t>8/27/2012</a:t>
+              <a:t>11/1/2012</a:t>
             </a:fld>
             <a:endParaRPr lang="en-US"/>
           </a:p>
@@ -3303,6 +3303,40 @@
           </a:p>
         </p:txBody>
       </p:sp>
+      <p:sp>
+        <p:nvSpPr>
+          <p:cNvPr id="5" name="TextBox 4"/>
+          <p:cNvSpPr txBox="1"/>
+          <p:nvPr/>
+        </p:nvSpPr>
+        <p:spPr>
+          <a:xfrm>
+            <a:off x="3120449" y="5589240"/>
+            <a:ext cx="2903102" cy="369332"/>
+          </a:xfrm>
+          <a:prstGeom prst="rect">
+            <a:avLst/>
+          </a:prstGeom>
+          <a:noFill/>
+        </p:spPr>
+        <p:txBody>
+          <a:bodyPr wrap="none" rtlCol="0">
+            <a:spAutoFit/>
+          </a:bodyPr>
+          <a:lstStyle/>
+          <a:p>
+            <a:r>
+              <a:rPr lang="en-US" dirty="0">
+                <a:solidFill>
+                  <a:schemeClr val="bg1"/>
+                </a:solidFill>
+              </a:rPr>
+              <a:t>http://vk.com/club33848893</a:t>
+            </a:r>
+            <a:endParaRPr lang="en-US" dirty="0"/>
+          </a:p>
+        </p:txBody>
+      </p:sp>
     </p:spTree>
     <p:extLst>
       <p:ext uri="{BB962C8B-B14F-4D97-AF65-F5344CB8AC3E}">

--- a/Presentation/lesson-05.pptx
+++ b/Presentation/lesson-05.pptx
@@ -301,7 +301,7 @@
           <a:p>
             <a:fld id="{FAECF776-F836-4CCD-9497-99E5597B8B5D}" type="datetimeFigureOut">
               <a:rPr lang="en-US" smtClean="0"/>
-              <a:t>11/1/2012</a:t>
+              <a:t>11/6/2012</a:t>
             </a:fld>
             <a:endParaRPr lang="en-US"/>
           </a:p>
@@ -471,7 +471,7 @@
           <a:p>
             <a:fld id="{FAECF776-F836-4CCD-9497-99E5597B8B5D}" type="datetimeFigureOut">
               <a:rPr lang="en-US" smtClean="0"/>
-              <a:t>11/1/2012</a:t>
+              <a:t>11/6/2012</a:t>
             </a:fld>
             <a:endParaRPr lang="en-US"/>
           </a:p>
@@ -651,7 +651,7 @@
           <a:p>
             <a:fld id="{FAECF776-F836-4CCD-9497-99E5597B8B5D}" type="datetimeFigureOut">
               <a:rPr lang="en-US" smtClean="0"/>
-              <a:t>11/1/2012</a:t>
+              <a:t>11/6/2012</a:t>
             </a:fld>
             <a:endParaRPr lang="en-US"/>
           </a:p>
@@ -821,7 +821,7 @@
           <a:p>
             <a:fld id="{FAECF776-F836-4CCD-9497-99E5597B8B5D}" type="datetimeFigureOut">
               <a:rPr lang="en-US" smtClean="0"/>
-              <a:t>11/1/2012</a:t>
+              <a:t>11/6/2012</a:t>
             </a:fld>
             <a:endParaRPr lang="en-US"/>
           </a:p>
@@ -1067,7 +1067,7 @@
           <a:p>
             <a:fld id="{FAECF776-F836-4CCD-9497-99E5597B8B5D}" type="datetimeFigureOut">
               <a:rPr lang="en-US" smtClean="0"/>
-              <a:t>11/1/2012</a:t>
+              <a:t>11/6/2012</a:t>
             </a:fld>
             <a:endParaRPr lang="en-US"/>
           </a:p>
@@ -1355,7 +1355,7 @@
           <a:p>
             <a:fld id="{FAECF776-F836-4CCD-9497-99E5597B8B5D}" type="datetimeFigureOut">
               <a:rPr lang="en-US" smtClean="0"/>
-              <a:t>11/1/2012</a:t>
+              <a:t>11/6/2012</a:t>
             </a:fld>
             <a:endParaRPr lang="en-US"/>
           </a:p>
@@ -1777,7 +1777,7 @@
           <a:p>
             <a:fld id="{FAECF776-F836-4CCD-9497-99E5597B8B5D}" type="datetimeFigureOut">
               <a:rPr lang="en-US" smtClean="0"/>
-              <a:t>11/1/2012</a:t>
+              <a:t>11/6/2012</a:t>
             </a:fld>
             <a:endParaRPr lang="en-US"/>
           </a:p>
@@ -1895,7 +1895,7 @@
           <a:p>
             <a:fld id="{FAECF776-F836-4CCD-9497-99E5597B8B5D}" type="datetimeFigureOut">
               <a:rPr lang="en-US" smtClean="0"/>
-              <a:t>11/1/2012</a:t>
+              <a:t>11/6/2012</a:t>
             </a:fld>
             <a:endParaRPr lang="en-US"/>
           </a:p>
@@ -1990,7 +1990,7 @@
           <a:p>
             <a:fld id="{FAECF776-F836-4CCD-9497-99E5597B8B5D}" type="datetimeFigureOut">
               <a:rPr lang="en-US" smtClean="0"/>
-              <a:t>11/1/2012</a:t>
+              <a:t>11/6/2012</a:t>
             </a:fld>
             <a:endParaRPr lang="en-US"/>
           </a:p>
@@ -2267,7 +2267,7 @@
           <a:p>
             <a:fld id="{FAECF776-F836-4CCD-9497-99E5597B8B5D}" type="datetimeFigureOut">
               <a:rPr lang="en-US" smtClean="0"/>
-              <a:t>11/1/2012</a:t>
+              <a:t>11/6/2012</a:t>
             </a:fld>
             <a:endParaRPr lang="en-US"/>
           </a:p>
@@ -2520,7 +2520,7 @@
           <a:p>
             <a:fld id="{FAECF776-F836-4CCD-9497-99E5597B8B5D}" type="datetimeFigureOut">
               <a:rPr lang="en-US" smtClean="0"/>
-              <a:t>11/1/2012</a:t>
+              <a:t>11/6/2012</a:t>
             </a:fld>
             <a:endParaRPr lang="en-US"/>
           </a:p>
@@ -2733,7 +2733,7 @@
           <a:p>
             <a:fld id="{FAECF776-F836-4CCD-9497-99E5597B8B5D}" type="datetimeFigureOut">
               <a:rPr lang="en-US" smtClean="0"/>
-              <a:t>11/1/2012</a:t>
+              <a:t>11/6/2012</a:t>
             </a:fld>
             <a:endParaRPr lang="en-US"/>
           </a:p>
@@ -3303,40 +3303,6 @@
           </a:p>
         </p:txBody>
       </p:sp>
-      <p:sp>
-        <p:nvSpPr>
-          <p:cNvPr id="5" name="TextBox 4"/>
-          <p:cNvSpPr txBox="1"/>
-          <p:nvPr/>
-        </p:nvSpPr>
-        <p:spPr>
-          <a:xfrm>
-            <a:off x="3120449" y="5589240"/>
-            <a:ext cx="2903102" cy="369332"/>
-          </a:xfrm>
-          <a:prstGeom prst="rect">
-            <a:avLst/>
-          </a:prstGeom>
-          <a:noFill/>
-        </p:spPr>
-        <p:txBody>
-          <a:bodyPr wrap="none" rtlCol="0">
-            <a:spAutoFit/>
-          </a:bodyPr>
-          <a:lstStyle/>
-          <a:p>
-            <a:r>
-              <a:rPr lang="en-US" dirty="0">
-                <a:solidFill>
-                  <a:schemeClr val="bg1"/>
-                </a:solidFill>
-              </a:rPr>
-              <a:t>http://vk.com/club33848893</a:t>
-            </a:r>
-            <a:endParaRPr lang="en-US" dirty="0"/>
-          </a:p>
-        </p:txBody>
-      </p:sp>
     </p:spTree>
     <p:extLst>
       <p:ext uri="{BB962C8B-B14F-4D97-AF65-F5344CB8AC3E}">

--- a/Presentation/lesson-05.pptx
+++ b/Presentation/lesson-05.pptx
@@ -301,7 +301,7 @@
           <a:p>
             <a:fld id="{FAECF776-F836-4CCD-9497-99E5597B8B5D}" type="datetimeFigureOut">
               <a:rPr lang="en-US" smtClean="0"/>
-              <a:t>11/6/2012</a:t>
+              <a:t>11/8/2012</a:t>
             </a:fld>
             <a:endParaRPr lang="en-US"/>
           </a:p>
@@ -471,7 +471,7 @@
           <a:p>
             <a:fld id="{FAECF776-F836-4CCD-9497-99E5597B8B5D}" type="datetimeFigureOut">
               <a:rPr lang="en-US" smtClean="0"/>
-              <a:t>11/6/2012</a:t>
+              <a:t>11/8/2012</a:t>
             </a:fld>
             <a:endParaRPr lang="en-US"/>
           </a:p>
@@ -651,7 +651,7 @@
           <a:p>
             <a:fld id="{FAECF776-F836-4CCD-9497-99E5597B8B5D}" type="datetimeFigureOut">
               <a:rPr lang="en-US" smtClean="0"/>
-              <a:t>11/6/2012</a:t>
+              <a:t>11/8/2012</a:t>
             </a:fld>
             <a:endParaRPr lang="en-US"/>
           </a:p>
@@ -821,7 +821,7 @@
           <a:p>
             <a:fld id="{FAECF776-F836-4CCD-9497-99E5597B8B5D}" type="datetimeFigureOut">
               <a:rPr lang="en-US" smtClean="0"/>
-              <a:t>11/6/2012</a:t>
+              <a:t>11/8/2012</a:t>
             </a:fld>
             <a:endParaRPr lang="en-US"/>
           </a:p>
@@ -1067,7 +1067,7 @@
           <a:p>
             <a:fld id="{FAECF776-F836-4CCD-9497-99E5597B8B5D}" type="datetimeFigureOut">
               <a:rPr lang="en-US" smtClean="0"/>
-              <a:t>11/6/2012</a:t>
+              <a:t>11/8/2012</a:t>
             </a:fld>
             <a:endParaRPr lang="en-US"/>
           </a:p>
@@ -1355,7 +1355,7 @@
           <a:p>
             <a:fld id="{FAECF776-F836-4CCD-9497-99E5597B8B5D}" type="datetimeFigureOut">
               <a:rPr lang="en-US" smtClean="0"/>
-              <a:t>11/6/2012</a:t>
+              <a:t>11/8/2012</a:t>
             </a:fld>
             <a:endParaRPr lang="en-US"/>
           </a:p>
@@ -1777,7 +1777,7 @@
           <a:p>
             <a:fld id="{FAECF776-F836-4CCD-9497-99E5597B8B5D}" type="datetimeFigureOut">
               <a:rPr lang="en-US" smtClean="0"/>
-              <a:t>11/6/2012</a:t>
+              <a:t>11/8/2012</a:t>
             </a:fld>
             <a:endParaRPr lang="en-US"/>
           </a:p>
@@ -1895,7 +1895,7 @@
           <a:p>
             <a:fld id="{FAECF776-F836-4CCD-9497-99E5597B8B5D}" type="datetimeFigureOut">
               <a:rPr lang="en-US" smtClean="0"/>
-              <a:t>11/6/2012</a:t>
+              <a:t>11/8/2012</a:t>
             </a:fld>
             <a:endParaRPr lang="en-US"/>
           </a:p>
@@ -1990,7 +1990,7 @@
           <a:p>
             <a:fld id="{FAECF776-F836-4CCD-9497-99E5597B8B5D}" type="datetimeFigureOut">
               <a:rPr lang="en-US" smtClean="0"/>
-              <a:t>11/6/2012</a:t>
+              <a:t>11/8/2012</a:t>
             </a:fld>
             <a:endParaRPr lang="en-US"/>
           </a:p>
@@ -2267,7 +2267,7 @@
           <a:p>
             <a:fld id="{FAECF776-F836-4CCD-9497-99E5597B8B5D}" type="datetimeFigureOut">
               <a:rPr lang="en-US" smtClean="0"/>
-              <a:t>11/6/2012</a:t>
+              <a:t>11/8/2012</a:t>
             </a:fld>
             <a:endParaRPr lang="en-US"/>
           </a:p>
@@ -2520,7 +2520,7 @@
           <a:p>
             <a:fld id="{FAECF776-F836-4CCD-9497-99E5597B8B5D}" type="datetimeFigureOut">
               <a:rPr lang="en-US" smtClean="0"/>
-              <a:t>11/6/2012</a:t>
+              <a:t>11/8/2012</a:t>
             </a:fld>
             <a:endParaRPr lang="en-US"/>
           </a:p>
@@ -2733,7 +2733,7 @@
           <a:p>
             <a:fld id="{FAECF776-F836-4CCD-9497-99E5597B8B5D}" type="datetimeFigureOut">
               <a:rPr lang="en-US" smtClean="0"/>
-              <a:t>11/6/2012</a:t>
+              <a:t>11/8/2012</a:t>
             </a:fld>
             <a:endParaRPr lang="en-US"/>
           </a:p>
@@ -7789,7 +7789,7 @@
         <p:spPr bwMode="auto">
           <a:xfrm>
             <a:off x="152400" y="620688"/>
-            <a:ext cx="8839200" cy="1754326"/>
+            <a:ext cx="8839200" cy="369332"/>
           </a:xfrm>
           <a:prstGeom prst="rect">
             <a:avLst/>
@@ -7923,10 +7923,16 @@
           <a:p>
             <a:pPr eaLnBrk="1" hangingPunct="1"/>
             <a:r>
+              <a:rPr lang="ru-RU" i="1" dirty="0" smtClean="0">
+                <a:cs typeface="Arial" charset="0"/>
+              </a:rPr>
+              <a:t>Создание </a:t>
+            </a:r>
+            <a:r>
               <a:rPr lang="ru-RU" i="1" dirty="0">
                 <a:cs typeface="Arial" charset="0"/>
               </a:rPr>
-              <a:t>	Создание класса </a:t>
+              <a:t>класса </a:t>
             </a:r>
             <a:r>
               <a:rPr lang="en-US" i="1" dirty="0">
@@ -7941,94 +7947,22 @@
               <a:t>Секундомер</a:t>
             </a:r>
             <a:r>
+              <a:rPr lang="en-US" i="1" dirty="0" smtClean="0">
+                <a:cs typeface="Arial" charset="0"/>
+              </a:rPr>
+              <a:t>”</a:t>
+            </a:r>
+            <a:r>
+              <a:rPr lang="ru-RU" i="1" dirty="0" smtClean="0">
+                <a:cs typeface="Arial" charset="0"/>
+              </a:rPr>
+              <a:t> - </a:t>
+            </a:r>
+            <a:r>
               <a:rPr lang="en-US" i="1" dirty="0">
                 <a:cs typeface="Arial" charset="0"/>
               </a:rPr>
-              <a:t>”</a:t>
-            </a:r>
-            <a:r>
-              <a:rPr lang="ru-RU" i="1" dirty="0">
-                <a:cs typeface="Arial" charset="0"/>
-              </a:rPr>
-              <a:t>, используя события и объект класса </a:t>
-            </a:r>
-            <a:r>
-              <a:rPr lang="en-US" i="1" dirty="0">
-                <a:cs typeface="Arial" charset="0"/>
-              </a:rPr>
-              <a:t>Timer</a:t>
-            </a:r>
-            <a:r>
-              <a:rPr lang="en-US" i="1" dirty="0" smtClean="0">
-                <a:cs typeface="Arial" charset="0"/>
-              </a:rPr>
-              <a:t>.</a:t>
-            </a:r>
-            <a:endParaRPr lang="ru-RU" i="1" dirty="0" smtClean="0">
-              <a:cs typeface="Arial" charset="0"/>
-            </a:endParaRPr>
-          </a:p>
-          <a:p>
-            <a:pPr eaLnBrk="1" hangingPunct="1"/>
-            <a:endParaRPr lang="ru-RU" i="1" dirty="0">
-              <a:cs typeface="Arial" charset="0"/>
-            </a:endParaRPr>
-          </a:p>
-          <a:p>
-            <a:pPr eaLnBrk="1" hangingPunct="1"/>
-            <a:r>
-              <a:rPr lang="ru-RU" i="1" dirty="0" smtClean="0">
-                <a:cs typeface="Arial" charset="0"/>
-              </a:rPr>
-              <a:t>Приложение </a:t>
-            </a:r>
-            <a:r>
-              <a:rPr lang="en-US" i="1" dirty="0" err="1" smtClean="0">
-                <a:cs typeface="Arial" charset="0"/>
-              </a:rPr>
-              <a:t>WindowsForms</a:t>
-            </a:r>
-            <a:endParaRPr lang="en-US" i="1" dirty="0" smtClean="0">
-              <a:cs typeface="Arial" charset="0"/>
-            </a:endParaRPr>
-          </a:p>
-          <a:p>
-            <a:pPr eaLnBrk="1" hangingPunct="1"/>
-            <a:endParaRPr lang="en-US" i="1" dirty="0">
-              <a:cs typeface="Arial" charset="0"/>
-            </a:endParaRPr>
-          </a:p>
-          <a:p>
-            <a:pPr eaLnBrk="1" hangingPunct="1"/>
-            <a:r>
-              <a:rPr lang="ru-RU" i="1" dirty="0" smtClean="0">
-                <a:cs typeface="Arial" charset="0"/>
-              </a:rPr>
-              <a:t>Для хранения промежутка времени используйте структуру </a:t>
-            </a:r>
-            <a:r>
-              <a:rPr lang="en-US" i="1" dirty="0" err="1" smtClean="0">
-                <a:cs typeface="Arial" charset="0"/>
-              </a:rPr>
-              <a:t>TimeSpan</a:t>
-            </a:r>
-            <a:r>
-              <a:rPr lang="ru-RU" i="1" dirty="0" smtClean="0">
-                <a:cs typeface="Arial" charset="0"/>
-              </a:rPr>
-              <a:t>. Для форматированного вывода </a:t>
-            </a:r>
-            <a:r>
-              <a:rPr lang="en-US" i="1" dirty="0" err="1" smtClean="0">
-                <a:cs typeface="Arial" charset="0"/>
-              </a:rPr>
-              <a:t>String.Format</a:t>
-            </a:r>
-            <a:r>
-              <a:rPr lang="en-US" i="1" dirty="0" smtClean="0">
-                <a:cs typeface="Arial" charset="0"/>
-              </a:rPr>
-              <a:t>()</a:t>
+              <a:t>task-gui-seconds-counter.docx</a:t>
             </a:r>
             <a:endParaRPr lang="en-US" i="1" dirty="0">
               <a:cs typeface="Arial" charset="0"/>

--- a/Presentation/lesson-05.pptx
+++ b/Presentation/lesson-05.pptx
@@ -301,7 +301,7 @@
           <a:p>
             <a:fld id="{FAECF776-F836-4CCD-9497-99E5597B8B5D}" type="datetimeFigureOut">
               <a:rPr lang="en-US" smtClean="0"/>
-              <a:t>11/8/2012</a:t>
+              <a:t>12/6/2012</a:t>
             </a:fld>
             <a:endParaRPr lang="en-US"/>
           </a:p>
@@ -471,7 +471,7 @@
           <a:p>
             <a:fld id="{FAECF776-F836-4CCD-9497-99E5597B8B5D}" type="datetimeFigureOut">
               <a:rPr lang="en-US" smtClean="0"/>
-              <a:t>11/8/2012</a:t>
+              <a:t>12/6/2012</a:t>
             </a:fld>
             <a:endParaRPr lang="en-US"/>
           </a:p>
@@ -651,7 +651,7 @@
           <a:p>
             <a:fld id="{FAECF776-F836-4CCD-9497-99E5597B8B5D}" type="datetimeFigureOut">
               <a:rPr lang="en-US" smtClean="0"/>
-              <a:t>11/8/2012</a:t>
+              <a:t>12/6/2012</a:t>
             </a:fld>
             <a:endParaRPr lang="en-US"/>
           </a:p>
@@ -821,7 +821,7 @@
           <a:p>
             <a:fld id="{FAECF776-F836-4CCD-9497-99E5597B8B5D}" type="datetimeFigureOut">
               <a:rPr lang="en-US" smtClean="0"/>
-              <a:t>11/8/2012</a:t>
+              <a:t>12/6/2012</a:t>
             </a:fld>
             <a:endParaRPr lang="en-US"/>
           </a:p>
@@ -1067,7 +1067,7 @@
           <a:p>
             <a:fld id="{FAECF776-F836-4CCD-9497-99E5597B8B5D}" type="datetimeFigureOut">
               <a:rPr lang="en-US" smtClean="0"/>
-              <a:t>11/8/2012</a:t>
+              <a:t>12/6/2012</a:t>
             </a:fld>
             <a:endParaRPr lang="en-US"/>
           </a:p>
@@ -1355,7 +1355,7 @@
           <a:p>
             <a:fld id="{FAECF776-F836-4CCD-9497-99E5597B8B5D}" type="datetimeFigureOut">
               <a:rPr lang="en-US" smtClean="0"/>
-              <a:t>11/8/2012</a:t>
+              <a:t>12/6/2012</a:t>
             </a:fld>
             <a:endParaRPr lang="en-US"/>
           </a:p>
@@ -1777,7 +1777,7 @@
           <a:p>
             <a:fld id="{FAECF776-F836-4CCD-9497-99E5597B8B5D}" type="datetimeFigureOut">
               <a:rPr lang="en-US" smtClean="0"/>
-              <a:t>11/8/2012</a:t>
+              <a:t>12/6/2012</a:t>
             </a:fld>
             <a:endParaRPr lang="en-US"/>
           </a:p>
@@ -1895,7 +1895,7 @@
           <a:p>
             <a:fld id="{FAECF776-F836-4CCD-9497-99E5597B8B5D}" type="datetimeFigureOut">
               <a:rPr lang="en-US" smtClean="0"/>
-              <a:t>11/8/2012</a:t>
+              <a:t>12/6/2012</a:t>
             </a:fld>
             <a:endParaRPr lang="en-US"/>
           </a:p>
@@ -1990,7 +1990,7 @@
           <a:p>
             <a:fld id="{FAECF776-F836-4CCD-9497-99E5597B8B5D}" type="datetimeFigureOut">
               <a:rPr lang="en-US" smtClean="0"/>
-              <a:t>11/8/2012</a:t>
+              <a:t>12/6/2012</a:t>
             </a:fld>
             <a:endParaRPr lang="en-US"/>
           </a:p>
@@ -2267,7 +2267,7 @@
           <a:p>
             <a:fld id="{FAECF776-F836-4CCD-9497-99E5597B8B5D}" type="datetimeFigureOut">
               <a:rPr lang="en-US" smtClean="0"/>
-              <a:t>11/8/2012</a:t>
+              <a:t>12/6/2012</a:t>
             </a:fld>
             <a:endParaRPr lang="en-US"/>
           </a:p>
@@ -2520,7 +2520,7 @@
           <a:p>
             <a:fld id="{FAECF776-F836-4CCD-9497-99E5597B8B5D}" type="datetimeFigureOut">
               <a:rPr lang="en-US" smtClean="0"/>
-              <a:t>11/8/2012</a:t>
+              <a:t>12/6/2012</a:t>
             </a:fld>
             <a:endParaRPr lang="en-US"/>
           </a:p>
@@ -2733,7 +2733,7 @@
           <a:p>
             <a:fld id="{FAECF776-F836-4CCD-9497-99E5597B8B5D}" type="datetimeFigureOut">
               <a:rPr lang="en-US" smtClean="0"/>
-              <a:t>11/8/2012</a:t>
+              <a:t>12/6/2012</a:t>
             </a:fld>
             <a:endParaRPr lang="en-US"/>
           </a:p>
@@ -3418,8 +3418,8 @@
         </p:nvSpPr>
         <p:spPr bwMode="auto">
           <a:xfrm>
-            <a:off x="152400" y="838200"/>
-            <a:ext cx="8839200" cy="862013"/>
+            <a:off x="152400" y="761376"/>
+            <a:ext cx="8839200" cy="1015663"/>
           </a:xfrm>
           <a:prstGeom prst="rect">
             <a:avLst/>
@@ -3524,7 +3524,108 @@
                 <a:ea typeface="Calibri" pitchFamily="34" charset="0"/>
                 <a:cs typeface="Courier New" pitchFamily="49" charset="0"/>
               </a:rPr>
-              <a:t>        public event Explosion explode;	//Шаг 1. Объявление события</a:t>
+              <a:t>        public event Explosion </a:t>
+            </a:r>
+            <a:r>
+              <a:rPr lang="en-US" sz="1000" dirty="0" smtClean="0">
+                <a:solidFill>
+                  <a:schemeClr val="bg1"/>
+                </a:solidFill>
+                <a:latin typeface="Courier New" pitchFamily="49" charset="0"/>
+                <a:ea typeface="Calibri" pitchFamily="34" charset="0"/>
+                <a:cs typeface="Courier New" pitchFamily="49" charset="0"/>
+              </a:rPr>
+              <a:t>E</a:t>
+            </a:r>
+            <a:r>
+              <a:rPr lang="be-BY" sz="1000" dirty="0" smtClean="0">
+                <a:solidFill>
+                  <a:schemeClr val="bg1"/>
+                </a:solidFill>
+                <a:latin typeface="Courier New" pitchFamily="49" charset="0"/>
+                <a:ea typeface="Calibri" pitchFamily="34" charset="0"/>
+                <a:cs typeface="Courier New" pitchFamily="49" charset="0"/>
+              </a:rPr>
+              <a:t>xplode</a:t>
+            </a:r>
+            <a:r>
+              <a:rPr lang="be-BY" sz="1000" dirty="0">
+                <a:solidFill>
+                  <a:schemeClr val="bg1"/>
+                </a:solidFill>
+                <a:latin typeface="Courier New" pitchFamily="49" charset="0"/>
+                <a:ea typeface="Calibri" pitchFamily="34" charset="0"/>
+                <a:cs typeface="Courier New" pitchFamily="49" charset="0"/>
+              </a:rPr>
+              <a:t>;	//Шаг 1. Объявление </a:t>
+            </a:r>
+            <a:r>
+              <a:rPr lang="be-BY" sz="1000" dirty="0" smtClean="0">
+                <a:solidFill>
+                  <a:schemeClr val="bg1"/>
+                </a:solidFill>
+                <a:latin typeface="Courier New" pitchFamily="49" charset="0"/>
+                <a:ea typeface="Calibri" pitchFamily="34" charset="0"/>
+                <a:cs typeface="Courier New" pitchFamily="49" charset="0"/>
+              </a:rPr>
+              <a:t>события</a:t>
+            </a:r>
+            <a:endParaRPr lang="en-US" sz="1000" dirty="0" smtClean="0">
+              <a:solidFill>
+                <a:schemeClr val="bg1"/>
+              </a:solidFill>
+              <a:latin typeface="Courier New" pitchFamily="49" charset="0"/>
+              <a:ea typeface="Calibri" pitchFamily="34" charset="0"/>
+              <a:cs typeface="Courier New" pitchFamily="49" charset="0"/>
+            </a:endParaRPr>
+          </a:p>
+          <a:p>
+            <a:pPr eaLnBrk="0" hangingPunct="0">
+              <a:defRPr/>
+            </a:pPr>
+            <a:r>
+              <a:rPr lang="en-US" sz="1000" dirty="0">
+                <a:solidFill>
+                  <a:schemeClr val="bg1"/>
+                </a:solidFill>
+                <a:latin typeface="Courier New" pitchFamily="49" charset="0"/>
+                <a:ea typeface="Calibri" pitchFamily="34" charset="0"/>
+                <a:cs typeface="Courier New" pitchFamily="49" charset="0"/>
+              </a:rPr>
+              <a:t> </a:t>
+            </a:r>
+            <a:r>
+              <a:rPr lang="en-US" sz="1000" dirty="0" smtClean="0">
+                <a:solidFill>
+                  <a:schemeClr val="bg1"/>
+                </a:solidFill>
+                <a:latin typeface="Courier New" pitchFamily="49" charset="0"/>
+                <a:ea typeface="Calibri" pitchFamily="34" charset="0"/>
+                <a:cs typeface="Courier New" pitchFamily="49" charset="0"/>
+              </a:rPr>
+              <a:t>       private </a:t>
+            </a:r>
+            <a:r>
+              <a:rPr lang="en-US" sz="1000" dirty="0" err="1" smtClean="0">
+                <a:solidFill>
+                  <a:schemeClr val="bg1"/>
+                </a:solidFill>
+                <a:latin typeface="Courier New" pitchFamily="49" charset="0"/>
+                <a:ea typeface="Calibri" pitchFamily="34" charset="0"/>
+                <a:cs typeface="Courier New" pitchFamily="49" charset="0"/>
+              </a:rPr>
+              <a:t>int</a:t>
+            </a:r>
+            <a:r>
+              <a:rPr lang="en-US" sz="1000" dirty="0" smtClean="0">
+                <a:solidFill>
+                  <a:schemeClr val="bg1"/>
+                </a:solidFill>
+                <a:latin typeface="Courier New" pitchFamily="49" charset="0"/>
+                <a:ea typeface="Calibri" pitchFamily="34" charset="0"/>
+                <a:cs typeface="Courier New" pitchFamily="49" charset="0"/>
+              </a:rPr>
+              <a:t> _speed;</a:t>
             </a:r>
             <a:endParaRPr lang="be-BY" sz="900" dirty="0">
               <a:solidFill>
@@ -3884,8 +3985,8 @@
         </p:nvSpPr>
         <p:spPr bwMode="auto">
           <a:xfrm>
-            <a:off x="152400" y="2084388"/>
-            <a:ext cx="8839200" cy="3908425"/>
+            <a:off x="152400" y="2068830"/>
+            <a:ext cx="8839200" cy="3939540"/>
           </a:xfrm>
           <a:prstGeom prst="rect">
             <a:avLst/>
@@ -3929,30 +4030,45 @@
               <a:defRPr/>
             </a:pPr>
             <a:r>
-              <a:rPr lang="be-BY" sz="1000" dirty="0">
-                <a:solidFill>
-                  <a:schemeClr val="bg1"/>
-                </a:solidFill>
-                <a:latin typeface="Courier New" pitchFamily="49" charset="0"/>
-                <a:ea typeface="Calibri" pitchFamily="34" charset="0"/>
-                <a:cs typeface="Courier New" pitchFamily="49" charset="0"/>
-              </a:rPr>
-              <a:t>        public Car()</a:t>
-            </a:r>
-            <a:endParaRPr lang="be-BY" sz="900" dirty="0">
-              <a:solidFill>
-                <a:schemeClr val="bg1"/>
-              </a:solidFill>
-              <a:ea typeface="Calibri" pitchFamily="34" charset="0"/>
-              <a:cs typeface="Courier New" pitchFamily="49" charset="0"/>
-            </a:endParaRPr>
-          </a:p>
-          <a:p>
-            <a:pPr eaLnBrk="0" hangingPunct="0">
-              <a:defRPr/>
-            </a:pPr>
-            <a:r>
-              <a:rPr lang="be-BY" sz="1000" dirty="0">
+              <a:rPr lang="en-US" sz="1000" dirty="0">
+                <a:solidFill>
+                  <a:schemeClr val="bg1"/>
+                </a:solidFill>
+                <a:latin typeface="Courier New" pitchFamily="49" charset="0"/>
+                <a:ea typeface="Calibri" pitchFamily="34" charset="0"/>
+                <a:cs typeface="Courier New" pitchFamily="49" charset="0"/>
+              </a:rPr>
+              <a:t> </a:t>
+            </a:r>
+            <a:r>
+              <a:rPr lang="en-US" sz="1000" dirty="0" smtClean="0">
+                <a:solidFill>
+                  <a:schemeClr val="bg1"/>
+                </a:solidFill>
+                <a:latin typeface="Courier New" pitchFamily="49" charset="0"/>
+                <a:ea typeface="Calibri" pitchFamily="34" charset="0"/>
+                <a:cs typeface="Courier New" pitchFamily="49" charset="0"/>
+              </a:rPr>
+              <a:t>       public </a:t>
+            </a:r>
+            <a:r>
+              <a:rPr lang="en-US" sz="1000" dirty="0">
+                <a:solidFill>
+                  <a:schemeClr val="bg1"/>
+                </a:solidFill>
+                <a:latin typeface="Courier New" pitchFamily="49" charset="0"/>
+                <a:ea typeface="Calibri" pitchFamily="34" charset="0"/>
+                <a:cs typeface="Courier New" pitchFamily="49" charset="0"/>
+              </a:rPr>
+              <a:t>Car()</a:t>
+            </a:r>
+          </a:p>
+          <a:p>
+            <a:pPr eaLnBrk="0" hangingPunct="0">
+              <a:defRPr/>
+            </a:pPr>
+            <a:r>
+              <a:rPr lang="en-US" sz="1000" dirty="0">
                 <a:solidFill>
                   <a:schemeClr val="bg1"/>
                 </a:solidFill>
@@ -3962,43 +4078,29 @@
               </a:rPr>
               <a:t>        {</a:t>
             </a:r>
-            <a:endParaRPr lang="be-BY" sz="900" dirty="0">
-              <a:solidFill>
-                <a:schemeClr val="bg1"/>
-              </a:solidFill>
-              <a:ea typeface="Calibri" pitchFamily="34" charset="0"/>
-              <a:cs typeface="Courier New" pitchFamily="49" charset="0"/>
-            </a:endParaRPr>
-          </a:p>
-          <a:p>
-            <a:pPr eaLnBrk="0" hangingPunct="0">
-              <a:defRPr/>
-            </a:pPr>
-            <a:r>
-              <a:rPr lang="be-BY" sz="1000" dirty="0">
-                <a:solidFill>
-                  <a:schemeClr val="bg1"/>
-                </a:solidFill>
-                <a:latin typeface="Courier New" pitchFamily="49" charset="0"/>
-                <a:ea typeface="Calibri" pitchFamily="34" charset="0"/>
-                <a:cs typeface="Courier New" pitchFamily="49" charset="0"/>
-              </a:rPr>
-              <a:t>            speed = 0;</a:t>
-            </a:r>
-            <a:endParaRPr lang="be-BY" sz="900" dirty="0">
-              <a:solidFill>
-                <a:schemeClr val="bg1"/>
-              </a:solidFill>
-              <a:ea typeface="Calibri" pitchFamily="34" charset="0"/>
-              <a:cs typeface="Courier New" pitchFamily="49" charset="0"/>
-            </a:endParaRPr>
-          </a:p>
-          <a:p>
-            <a:pPr eaLnBrk="0" hangingPunct="0">
-              <a:defRPr/>
-            </a:pPr>
-            <a:r>
-              <a:rPr lang="be-BY" sz="1000" dirty="0">
+          </a:p>
+          <a:p>
+            <a:pPr eaLnBrk="0" hangingPunct="0">
+              <a:defRPr/>
+            </a:pPr>
+            <a:r>
+              <a:rPr lang="en-US" sz="1000" dirty="0">
+                <a:solidFill>
+                  <a:schemeClr val="bg1"/>
+                </a:solidFill>
+                <a:latin typeface="Courier New" pitchFamily="49" charset="0"/>
+                <a:ea typeface="Calibri" pitchFamily="34" charset="0"/>
+                <a:cs typeface="Courier New" pitchFamily="49" charset="0"/>
+              </a:rPr>
+              <a:t>            _speed = 0;</a:t>
+            </a:r>
+          </a:p>
+          <a:p>
+            <a:pPr eaLnBrk="0" hangingPunct="0">
+              <a:defRPr/>
+            </a:pPr>
+            <a:r>
+              <a:rPr lang="en-US" sz="1000" dirty="0">
                 <a:solidFill>
                   <a:schemeClr val="bg1"/>
                 </a:solidFill>
@@ -4008,6 +4110,11 @@
               </a:rPr>
               <a:t>        }</a:t>
             </a:r>
+          </a:p>
+          <a:p>
+            <a:pPr eaLnBrk="0" hangingPunct="0">
+              <a:defRPr/>
+            </a:pPr>
             <a:endParaRPr lang="en-US" sz="1000" dirty="0">
               <a:solidFill>
                 <a:schemeClr val="bg1"/>
@@ -4021,43 +4128,46 @@
             <a:pPr eaLnBrk="0" hangingPunct="0">
               <a:defRPr/>
             </a:pPr>
-            <a:endParaRPr lang="be-BY" sz="900" dirty="0">
-              <a:solidFill>
-                <a:schemeClr val="bg1"/>
-              </a:solidFill>
-              <a:ea typeface="Calibri" pitchFamily="34" charset="0"/>
-              <a:cs typeface="Courier New" pitchFamily="49" charset="0"/>
-            </a:endParaRPr>
-          </a:p>
-          <a:p>
-            <a:pPr eaLnBrk="0" hangingPunct="0">
-              <a:defRPr/>
-            </a:pPr>
-            <a:r>
-              <a:rPr lang="be-BY" sz="1000" dirty="0">
-                <a:solidFill>
-                  <a:schemeClr val="bg1"/>
-                </a:solidFill>
-                <a:latin typeface="Courier New" pitchFamily="49" charset="0"/>
-                <a:ea typeface="Calibri" pitchFamily="34" charset="0"/>
-                <a:cs typeface="Courier New" pitchFamily="49" charset="0"/>
-              </a:rPr>
-              <a:t>        public void AddSpeed()</a:t>
-            </a:r>
-            <a:endParaRPr lang="be-BY" sz="900" dirty="0">
-              <a:solidFill>
-                <a:schemeClr val="bg1"/>
-              </a:solidFill>
-              <a:ea typeface="Calibri" pitchFamily="34" charset="0"/>
-              <a:cs typeface="Courier New" pitchFamily="49" charset="0"/>
-            </a:endParaRPr>
-          </a:p>
-          <a:p>
-            <a:pPr eaLnBrk="0" hangingPunct="0">
-              <a:defRPr/>
-            </a:pPr>
-            <a:r>
-              <a:rPr lang="be-BY" sz="1000" dirty="0">
+            <a:r>
+              <a:rPr lang="en-US" sz="1000" dirty="0">
+                <a:solidFill>
+                  <a:schemeClr val="bg1"/>
+                </a:solidFill>
+                <a:latin typeface="Courier New" pitchFamily="49" charset="0"/>
+                <a:ea typeface="Calibri" pitchFamily="34" charset="0"/>
+                <a:cs typeface="Courier New" pitchFamily="49" charset="0"/>
+              </a:rPr>
+              <a:t>        public void </a:t>
+            </a:r>
+            <a:r>
+              <a:rPr lang="en-US" sz="1000" dirty="0" err="1">
+                <a:solidFill>
+                  <a:schemeClr val="bg1"/>
+                </a:solidFill>
+                <a:latin typeface="Courier New" pitchFamily="49" charset="0"/>
+                <a:ea typeface="Calibri" pitchFamily="34" charset="0"/>
+                <a:cs typeface="Courier New" pitchFamily="49" charset="0"/>
+              </a:rPr>
+              <a:t>AddSpeed</a:t>
+            </a:r>
+            <a:r>
+              <a:rPr lang="en-US" sz="1000" dirty="0">
+                <a:solidFill>
+                  <a:schemeClr val="bg1"/>
+                </a:solidFill>
+                <a:latin typeface="Courier New" pitchFamily="49" charset="0"/>
+                <a:ea typeface="Calibri" pitchFamily="34" charset="0"/>
+                <a:cs typeface="Courier New" pitchFamily="49" charset="0"/>
+              </a:rPr>
+              <a:t>()</a:t>
+            </a:r>
+          </a:p>
+          <a:p>
+            <a:pPr eaLnBrk="0" hangingPunct="0">
+              <a:defRPr/>
+            </a:pPr>
+            <a:r>
+              <a:rPr lang="en-US" sz="1000" dirty="0">
                 <a:solidFill>
                   <a:schemeClr val="bg1"/>
                 </a:solidFill>
@@ -4067,43 +4177,83 @@
               </a:rPr>
               <a:t>        {</a:t>
             </a:r>
-            <a:endParaRPr lang="be-BY" sz="900" dirty="0">
-              <a:solidFill>
-                <a:schemeClr val="bg1"/>
-              </a:solidFill>
-              <a:ea typeface="Calibri" pitchFamily="34" charset="0"/>
-              <a:cs typeface="Courier New" pitchFamily="49" charset="0"/>
-            </a:endParaRPr>
-          </a:p>
-          <a:p>
-            <a:pPr eaLnBrk="0" hangingPunct="0">
-              <a:defRPr/>
-            </a:pPr>
-            <a:r>
-              <a:rPr lang="be-BY" sz="1000" dirty="0">
-                <a:solidFill>
-                  <a:schemeClr val="bg1"/>
-                </a:solidFill>
-                <a:latin typeface="Courier New" pitchFamily="49" charset="0"/>
-                <a:ea typeface="Calibri" pitchFamily="34" charset="0"/>
-                <a:cs typeface="Courier New" pitchFamily="49" charset="0"/>
-              </a:rPr>
-              <a:t>            if (speed &gt; 200)</a:t>
-            </a:r>
-            <a:endParaRPr lang="be-BY" sz="900" dirty="0">
-              <a:solidFill>
-                <a:schemeClr val="bg1"/>
-              </a:solidFill>
-              <a:ea typeface="Calibri" pitchFamily="34" charset="0"/>
-              <a:cs typeface="Courier New" pitchFamily="49" charset="0"/>
-            </a:endParaRPr>
-          </a:p>
-          <a:p>
-            <a:pPr eaLnBrk="0" hangingPunct="0">
-              <a:defRPr/>
-            </a:pPr>
-            <a:r>
-              <a:rPr lang="be-BY" sz="1000" dirty="0">
+          </a:p>
+          <a:p>
+            <a:pPr eaLnBrk="0" hangingPunct="0">
+              <a:defRPr/>
+            </a:pPr>
+            <a:r>
+              <a:rPr lang="en-US" sz="1000" dirty="0">
+                <a:solidFill>
+                  <a:schemeClr val="bg1"/>
+                </a:solidFill>
+                <a:latin typeface="Courier New" pitchFamily="49" charset="0"/>
+                <a:ea typeface="Calibri" pitchFamily="34" charset="0"/>
+                <a:cs typeface="Courier New" pitchFamily="49" charset="0"/>
+              </a:rPr>
+              <a:t>			_speed += 20;</a:t>
+            </a:r>
+          </a:p>
+          <a:p>
+            <a:pPr eaLnBrk="0" hangingPunct="0">
+              <a:defRPr/>
+            </a:pPr>
+            <a:r>
+              <a:rPr lang="en-US" sz="1000" dirty="0">
+                <a:solidFill>
+                  <a:schemeClr val="bg1"/>
+                </a:solidFill>
+                <a:latin typeface="Courier New" pitchFamily="49" charset="0"/>
+                <a:ea typeface="Calibri" pitchFamily="34" charset="0"/>
+                <a:cs typeface="Courier New" pitchFamily="49" charset="0"/>
+              </a:rPr>
+              <a:t>			</a:t>
+            </a:r>
+            <a:r>
+              <a:rPr lang="en-US" sz="1000" dirty="0" err="1">
+                <a:solidFill>
+                  <a:schemeClr val="bg1"/>
+                </a:solidFill>
+                <a:latin typeface="Courier New" pitchFamily="49" charset="0"/>
+                <a:ea typeface="Calibri" pitchFamily="34" charset="0"/>
+                <a:cs typeface="Courier New" pitchFamily="49" charset="0"/>
+              </a:rPr>
+              <a:t>Console.WriteLine</a:t>
+            </a:r>
+            <a:r>
+              <a:rPr lang="en-US" sz="1000" dirty="0">
+                <a:solidFill>
+                  <a:schemeClr val="bg1"/>
+                </a:solidFill>
+                <a:latin typeface="Courier New" pitchFamily="49" charset="0"/>
+                <a:ea typeface="Calibri" pitchFamily="34" charset="0"/>
+                <a:cs typeface="Courier New" pitchFamily="49" charset="0"/>
+              </a:rPr>
+              <a:t>("Speed = {0}", _speed);</a:t>
+            </a:r>
+          </a:p>
+          <a:p>
+            <a:pPr eaLnBrk="0" hangingPunct="0">
+              <a:defRPr/>
+            </a:pPr>
+            <a:r>
+              <a:rPr lang="en-US" sz="1000" dirty="0">
+                <a:solidFill>
+                  <a:schemeClr val="bg1"/>
+                </a:solidFill>
+                <a:latin typeface="Courier New" pitchFamily="49" charset="0"/>
+                <a:ea typeface="Calibri" pitchFamily="34" charset="0"/>
+                <a:cs typeface="Courier New" pitchFamily="49" charset="0"/>
+              </a:rPr>
+              <a:t>            if (_speed &gt; 200)</a:t>
+            </a:r>
+          </a:p>
+          <a:p>
+            <a:pPr eaLnBrk="0" hangingPunct="0">
+              <a:defRPr/>
+            </a:pPr>
+            <a:r>
+              <a:rPr lang="en-US" sz="1000" dirty="0">
                 <a:solidFill>
                   <a:schemeClr val="bg1"/>
                 </a:solidFill>
@@ -4113,52 +4263,11 @@
               </a:rPr>
               <a:t>            {</a:t>
             </a:r>
-            <a:endParaRPr lang="be-BY" sz="900" dirty="0">
-              <a:solidFill>
-                <a:schemeClr val="bg1"/>
-              </a:solidFill>
-              <a:ea typeface="Calibri" pitchFamily="34" charset="0"/>
-              <a:cs typeface="Courier New" pitchFamily="49" charset="0"/>
-            </a:endParaRPr>
-          </a:p>
-          <a:p>
-            <a:pPr eaLnBrk="0" hangingPunct="0">
-              <a:defRPr/>
-            </a:pPr>
-            <a:r>
-              <a:rPr lang="be-BY" sz="1000" dirty="0">
-                <a:solidFill>
-                  <a:schemeClr val="bg1"/>
-                </a:solidFill>
-                <a:latin typeface="Courier New" pitchFamily="49" charset="0"/>
-                <a:ea typeface="Calibri" pitchFamily="34" charset="0"/>
-                <a:cs typeface="Courier New" pitchFamily="49" charset="0"/>
-              </a:rPr>
-              <a:t>                Console.Write("Engine explode...");</a:t>
-            </a:r>
-            <a:endParaRPr lang="be-BY" sz="900" dirty="0">
-              <a:solidFill>
-                <a:schemeClr val="bg1"/>
-              </a:solidFill>
-              <a:ea typeface="Calibri" pitchFamily="34" charset="0"/>
-              <a:cs typeface="Courier New" pitchFamily="49" charset="0"/>
-            </a:endParaRPr>
-          </a:p>
-          <a:p>
-            <a:pPr eaLnBrk="0" hangingPunct="0">
-              <a:defRPr/>
-            </a:pPr>
-            <a:r>
-              <a:rPr lang="be-BY" sz="1000" dirty="0">
-                <a:solidFill>
-                  <a:schemeClr val="bg1"/>
-                </a:solidFill>
-                <a:latin typeface="Courier New" pitchFamily="49" charset="0"/>
-                <a:ea typeface="Calibri" pitchFamily="34" charset="0"/>
-                <a:cs typeface="Courier New" pitchFamily="49" charset="0"/>
-              </a:rPr>
-              <a:t>                explode();	</a:t>
-            </a:r>
+          </a:p>
+          <a:p>
+            <a:pPr eaLnBrk="0" hangingPunct="0">
+              <a:defRPr/>
+            </a:pPr>
             <a:r>
               <a:rPr lang="en-US" sz="1000" dirty="0">
                 <a:solidFill>
@@ -4168,26 +4277,105 @@
                 <a:ea typeface="Calibri" pitchFamily="34" charset="0"/>
                 <a:cs typeface="Courier New" pitchFamily="49" charset="0"/>
               </a:rPr>
-              <a:t>		</a:t>
-            </a:r>
-            <a:r>
-              <a:rPr lang="be-BY" sz="1000" dirty="0">
-                <a:solidFill>
-                  <a:schemeClr val="bg1"/>
-                </a:solidFill>
-                <a:latin typeface="Courier New" pitchFamily="49" charset="0"/>
-                <a:ea typeface="Calibri" pitchFamily="34" charset="0"/>
-                <a:cs typeface="Courier New" pitchFamily="49" charset="0"/>
-              </a:rPr>
-              <a:t>//Шаг 3. Вызов(генерация) события</a:t>
-            </a:r>
-            <a:endParaRPr lang="be-BY" sz="900" dirty="0">
-              <a:solidFill>
-                <a:schemeClr val="bg1"/>
-              </a:solidFill>
-              <a:ea typeface="Calibri" pitchFamily="34" charset="0"/>
-              <a:cs typeface="Courier New" pitchFamily="49" charset="0"/>
-            </a:endParaRPr>
+              <a:t>                </a:t>
+            </a:r>
+            <a:r>
+              <a:rPr lang="en-US" sz="1000" dirty="0" err="1">
+                <a:solidFill>
+                  <a:schemeClr val="bg1"/>
+                </a:solidFill>
+                <a:latin typeface="Courier New" pitchFamily="49" charset="0"/>
+                <a:ea typeface="Calibri" pitchFamily="34" charset="0"/>
+                <a:cs typeface="Courier New" pitchFamily="49" charset="0"/>
+              </a:rPr>
+              <a:t>Console.Write</a:t>
+            </a:r>
+            <a:r>
+              <a:rPr lang="en-US" sz="1000" dirty="0">
+                <a:solidFill>
+                  <a:schemeClr val="bg1"/>
+                </a:solidFill>
+                <a:latin typeface="Courier New" pitchFamily="49" charset="0"/>
+                <a:ea typeface="Calibri" pitchFamily="34" charset="0"/>
+                <a:cs typeface="Courier New" pitchFamily="49" charset="0"/>
+              </a:rPr>
+              <a:t>("Engine explode...");</a:t>
+            </a:r>
+          </a:p>
+          <a:p>
+            <a:pPr eaLnBrk="0" hangingPunct="0">
+              <a:defRPr/>
+            </a:pPr>
+            <a:r>
+              <a:rPr lang="en-US" sz="1000" dirty="0">
+                <a:solidFill>
+                  <a:schemeClr val="bg1"/>
+                </a:solidFill>
+                <a:latin typeface="Courier New" pitchFamily="49" charset="0"/>
+                <a:ea typeface="Calibri" pitchFamily="34" charset="0"/>
+                <a:cs typeface="Courier New" pitchFamily="49" charset="0"/>
+              </a:rPr>
+              <a:t>				if (Explode != null)</a:t>
+            </a:r>
+          </a:p>
+          <a:p>
+            <a:pPr eaLnBrk="0" hangingPunct="0">
+              <a:defRPr/>
+            </a:pPr>
+            <a:r>
+              <a:rPr lang="en-US" sz="1000" dirty="0">
+                <a:solidFill>
+                  <a:schemeClr val="bg1"/>
+                </a:solidFill>
+                <a:latin typeface="Courier New" pitchFamily="49" charset="0"/>
+                <a:ea typeface="Calibri" pitchFamily="34" charset="0"/>
+                <a:cs typeface="Courier New" pitchFamily="49" charset="0"/>
+              </a:rPr>
+              <a:t>                {</a:t>
+            </a:r>
+          </a:p>
+          <a:p>
+            <a:pPr eaLnBrk="0" hangingPunct="0">
+              <a:defRPr/>
+            </a:pPr>
+            <a:r>
+              <a:rPr lang="en-US" sz="1000" dirty="0">
+                <a:solidFill>
+                  <a:schemeClr val="bg1"/>
+                </a:solidFill>
+                <a:latin typeface="Courier New" pitchFamily="49" charset="0"/>
+                <a:ea typeface="Calibri" pitchFamily="34" charset="0"/>
+                <a:cs typeface="Courier New" pitchFamily="49" charset="0"/>
+              </a:rPr>
+              <a:t>					Explode(); /</a:t>
+            </a:r>
+            <a:r>
+              <a:rPr lang="be-BY" sz="1000" dirty="0">
+                <a:solidFill>
+                  <a:schemeClr val="bg1"/>
+                </a:solidFill>
+                <a:latin typeface="Courier New" pitchFamily="49" charset="0"/>
+                <a:ea typeface="Calibri" pitchFamily="34" charset="0"/>
+                <a:cs typeface="Courier New" pitchFamily="49" charset="0"/>
+              </a:rPr>
+              <a:t>Шаг 3. Вызов (генерация) события</a:t>
+            </a:r>
+          </a:p>
+          <a:p>
+            <a:pPr eaLnBrk="0" hangingPunct="0">
+              <a:defRPr/>
+            </a:pPr>
+            <a:r>
+              <a:rPr lang="be-BY" sz="1000" dirty="0">
+                <a:solidFill>
+                  <a:schemeClr val="bg1"/>
+                </a:solidFill>
+                <a:latin typeface="Courier New" pitchFamily="49" charset="0"/>
+                <a:ea typeface="Calibri" pitchFamily="34" charset="0"/>
+                <a:cs typeface="Courier New" pitchFamily="49" charset="0"/>
+              </a:rPr>
+              <a:t>				}</a:t>
+            </a:r>
           </a:p>
           <a:p>
             <a:pPr eaLnBrk="0" hangingPunct="0">
@@ -4204,128 +4392,6 @@
               </a:rPr>
               <a:t>            }</a:t>
             </a:r>
-            <a:endParaRPr lang="be-BY" sz="900" dirty="0">
-              <a:solidFill>
-                <a:schemeClr val="bg1"/>
-              </a:solidFill>
-              <a:ea typeface="Calibri" pitchFamily="34" charset="0"/>
-              <a:cs typeface="Courier New" pitchFamily="49" charset="0"/>
-            </a:endParaRPr>
-          </a:p>
-          <a:p>
-            <a:pPr eaLnBrk="0" hangingPunct="0">
-              <a:defRPr/>
-            </a:pPr>
-            <a:r>
-              <a:rPr lang="be-BY" sz="1000" dirty="0">
-                <a:solidFill>
-                  <a:schemeClr val="bg1"/>
-                </a:solidFill>
-                <a:latin typeface="Courier New" pitchFamily="49" charset="0"/>
-                <a:ea typeface="Calibri" pitchFamily="34" charset="0"/>
-                <a:cs typeface="Courier New" pitchFamily="49" charset="0"/>
-              </a:rPr>
-              <a:t>            else</a:t>
-            </a:r>
-            <a:endParaRPr lang="be-BY" sz="900" dirty="0">
-              <a:solidFill>
-                <a:schemeClr val="bg1"/>
-              </a:solidFill>
-              <a:ea typeface="Calibri" pitchFamily="34" charset="0"/>
-              <a:cs typeface="Courier New" pitchFamily="49" charset="0"/>
-            </a:endParaRPr>
-          </a:p>
-          <a:p>
-            <a:pPr eaLnBrk="0" hangingPunct="0">
-              <a:defRPr/>
-            </a:pPr>
-            <a:r>
-              <a:rPr lang="be-BY" sz="1000" dirty="0">
-                <a:solidFill>
-                  <a:schemeClr val="bg1"/>
-                </a:solidFill>
-                <a:latin typeface="Courier New" pitchFamily="49" charset="0"/>
-                <a:ea typeface="Calibri" pitchFamily="34" charset="0"/>
-                <a:cs typeface="Courier New" pitchFamily="49" charset="0"/>
-              </a:rPr>
-              <a:t>            {</a:t>
-            </a:r>
-            <a:endParaRPr lang="be-BY" sz="900" dirty="0">
-              <a:solidFill>
-                <a:schemeClr val="bg1"/>
-              </a:solidFill>
-              <a:ea typeface="Calibri" pitchFamily="34" charset="0"/>
-              <a:cs typeface="Courier New" pitchFamily="49" charset="0"/>
-            </a:endParaRPr>
-          </a:p>
-          <a:p>
-            <a:pPr eaLnBrk="0" hangingPunct="0">
-              <a:defRPr/>
-            </a:pPr>
-            <a:r>
-              <a:rPr lang="be-BY" sz="1000" dirty="0">
-                <a:solidFill>
-                  <a:schemeClr val="bg1"/>
-                </a:solidFill>
-                <a:latin typeface="Courier New" pitchFamily="49" charset="0"/>
-                <a:ea typeface="Calibri" pitchFamily="34" charset="0"/>
-                <a:cs typeface="Courier New" pitchFamily="49" charset="0"/>
-              </a:rPr>
-              <a:t>                speed += 20;</a:t>
-            </a:r>
-            <a:endParaRPr lang="be-BY" sz="900" dirty="0">
-              <a:solidFill>
-                <a:schemeClr val="bg1"/>
-              </a:solidFill>
-              <a:ea typeface="Calibri" pitchFamily="34" charset="0"/>
-              <a:cs typeface="Courier New" pitchFamily="49" charset="0"/>
-            </a:endParaRPr>
-          </a:p>
-          <a:p>
-            <a:pPr eaLnBrk="0" hangingPunct="0">
-              <a:defRPr/>
-            </a:pPr>
-            <a:r>
-              <a:rPr lang="be-BY" sz="1000" dirty="0">
-                <a:solidFill>
-                  <a:schemeClr val="bg1"/>
-                </a:solidFill>
-                <a:latin typeface="Courier New" pitchFamily="49" charset="0"/>
-                <a:ea typeface="Calibri" pitchFamily="34" charset="0"/>
-                <a:cs typeface="Courier New" pitchFamily="49" charset="0"/>
-              </a:rPr>
-              <a:t>                Console.WriteLine("Speed = {0}", speed);</a:t>
-            </a:r>
-            <a:endParaRPr lang="be-BY" sz="900" dirty="0">
-              <a:solidFill>
-                <a:schemeClr val="bg1"/>
-              </a:solidFill>
-              <a:ea typeface="Calibri" pitchFamily="34" charset="0"/>
-              <a:cs typeface="Courier New" pitchFamily="49" charset="0"/>
-            </a:endParaRPr>
-          </a:p>
-          <a:p>
-            <a:pPr eaLnBrk="0" hangingPunct="0">
-              <a:defRPr/>
-            </a:pPr>
-            <a:r>
-              <a:rPr lang="be-BY" sz="1000" dirty="0">
-                <a:solidFill>
-                  <a:schemeClr val="bg1"/>
-                </a:solidFill>
-                <a:latin typeface="Courier New" pitchFamily="49" charset="0"/>
-                <a:ea typeface="Calibri" pitchFamily="34" charset="0"/>
-                <a:cs typeface="Courier New" pitchFamily="49" charset="0"/>
-              </a:rPr>
-              <a:t>            }</a:t>
-            </a:r>
-            <a:endParaRPr lang="be-BY" sz="900" dirty="0">
-              <a:solidFill>
-                <a:schemeClr val="bg1"/>
-              </a:solidFill>
-              <a:ea typeface="Calibri" pitchFamily="34" charset="0"/>
-              <a:cs typeface="Courier New" pitchFamily="49" charset="0"/>
-            </a:endParaRPr>
           </a:p>
           <a:p>
             <a:pPr eaLnBrk="0" hangingPunct="0">
@@ -4342,7 +4408,12 @@
               </a:rPr>
               <a:t>        }</a:t>
             </a:r>
-            <a:endParaRPr lang="en-US" sz="1000" dirty="0">
+          </a:p>
+          <a:p>
+            <a:pPr eaLnBrk="0" hangingPunct="0">
+              <a:defRPr/>
+            </a:pPr>
+            <a:endParaRPr lang="be-BY" sz="1000" dirty="0">
               <a:solidFill>
                 <a:schemeClr val="bg1"/>
               </a:solidFill>
@@ -4355,29 +4426,92 @@
             <a:pPr eaLnBrk="0" hangingPunct="0">
               <a:defRPr/>
             </a:pPr>
-            <a:endParaRPr lang="be-BY" sz="900" dirty="0">
-              <a:solidFill>
-                <a:schemeClr val="bg1"/>
-              </a:solidFill>
-              <a:ea typeface="Calibri" pitchFamily="34" charset="0"/>
-              <a:cs typeface="Courier New" pitchFamily="49" charset="0"/>
-            </a:endParaRPr>
-          </a:p>
-          <a:p>
-            <a:pPr eaLnBrk="0" hangingPunct="0">
-              <a:defRPr/>
-            </a:pPr>
-            <a:r>
-              <a:rPr lang="be-BY" sz="1000" dirty="0">
-                <a:solidFill>
-                  <a:schemeClr val="bg1"/>
-                </a:solidFill>
-                <a:latin typeface="Courier New" pitchFamily="49" charset="0"/>
-                <a:ea typeface="Calibri" pitchFamily="34" charset="0"/>
-                <a:cs typeface="Courier New" pitchFamily="49" charset="0"/>
-              </a:rPr>
-              <a:t>        public void </a:t>
-            </a:r>
+            <a:r>
+              <a:rPr lang="be-BY" sz="1000" dirty="0">
+                <a:solidFill>
+                  <a:schemeClr val="bg1"/>
+                </a:solidFill>
+                <a:latin typeface="Courier New" pitchFamily="49" charset="0"/>
+                <a:ea typeface="Calibri" pitchFamily="34" charset="0"/>
+                <a:cs typeface="Courier New" pitchFamily="49" charset="0"/>
+              </a:rPr>
+              <a:t>        </a:t>
+            </a:r>
+            <a:r>
+              <a:rPr lang="en-US" sz="1000" dirty="0">
+                <a:solidFill>
+                  <a:schemeClr val="bg1"/>
+                </a:solidFill>
+                <a:latin typeface="Courier New" pitchFamily="49" charset="0"/>
+                <a:ea typeface="Calibri" pitchFamily="34" charset="0"/>
+                <a:cs typeface="Courier New" pitchFamily="49" charset="0"/>
+              </a:rPr>
+              <a:t>public void Repair()</a:t>
+            </a:r>
+          </a:p>
+          <a:p>
+            <a:pPr eaLnBrk="0" hangingPunct="0">
+              <a:defRPr/>
+            </a:pPr>
+            <a:r>
+              <a:rPr lang="en-US" sz="1000" dirty="0">
+                <a:solidFill>
+                  <a:schemeClr val="bg1"/>
+                </a:solidFill>
+                <a:latin typeface="Courier New" pitchFamily="49" charset="0"/>
+                <a:ea typeface="Calibri" pitchFamily="34" charset="0"/>
+                <a:cs typeface="Courier New" pitchFamily="49" charset="0"/>
+              </a:rPr>
+              <a:t>        {</a:t>
+            </a:r>
+          </a:p>
+          <a:p>
+            <a:pPr eaLnBrk="0" hangingPunct="0">
+              <a:defRPr/>
+            </a:pPr>
+            <a:r>
+              <a:rPr lang="en-US" sz="1000" dirty="0">
+                <a:solidFill>
+                  <a:schemeClr val="bg1"/>
+                </a:solidFill>
+                <a:latin typeface="Courier New" pitchFamily="49" charset="0"/>
+                <a:ea typeface="Calibri" pitchFamily="34" charset="0"/>
+                <a:cs typeface="Courier New" pitchFamily="49" charset="0"/>
+              </a:rPr>
+              <a:t>            _speed = 0;</a:t>
+            </a:r>
+          </a:p>
+          <a:p>
+            <a:pPr eaLnBrk="0" hangingPunct="0">
+              <a:defRPr/>
+            </a:pPr>
+            <a:r>
+              <a:rPr lang="en-US" sz="1000" dirty="0">
+                <a:solidFill>
+                  <a:schemeClr val="bg1"/>
+                </a:solidFill>
+                <a:latin typeface="Courier New" pitchFamily="49" charset="0"/>
+                <a:ea typeface="Calibri" pitchFamily="34" charset="0"/>
+                <a:cs typeface="Courier New" pitchFamily="49" charset="0"/>
+              </a:rPr>
+              <a:t>        </a:t>
+            </a:r>
+            <a:r>
+              <a:rPr lang="en-US" sz="1000" dirty="0" smtClean="0">
+                <a:solidFill>
+                  <a:schemeClr val="bg1"/>
+                </a:solidFill>
+                <a:latin typeface="Courier New" pitchFamily="49" charset="0"/>
+                <a:ea typeface="Calibri" pitchFamily="34" charset="0"/>
+                <a:cs typeface="Courier New" pitchFamily="49" charset="0"/>
+              </a:rPr>
+              <a:t>}</a:t>
+            </a:r>
+          </a:p>
+          <a:p>
+            <a:pPr eaLnBrk="0" hangingPunct="0">
+              <a:defRPr/>
+            </a:pPr>
             <a:r>
               <a:rPr lang="be-BY" sz="1000" dirty="0" smtClean="0">
                 <a:solidFill>
@@ -4387,121 +4521,7 @@
                 <a:ea typeface="Calibri" pitchFamily="34" charset="0"/>
                 <a:cs typeface="Courier New" pitchFamily="49" charset="0"/>
               </a:rPr>
-              <a:t>Repa</a:t>
-            </a:r>
-            <a:r>
-              <a:rPr lang="en-US" sz="1000" dirty="0" err="1" smtClean="0">
-                <a:solidFill>
-                  <a:schemeClr val="bg1"/>
-                </a:solidFill>
-                <a:latin typeface="Courier New" pitchFamily="49" charset="0"/>
-                <a:ea typeface="Calibri" pitchFamily="34" charset="0"/>
-                <a:cs typeface="Courier New" pitchFamily="49" charset="0"/>
-              </a:rPr>
-              <a:t>ir</a:t>
-            </a:r>
-            <a:r>
-              <a:rPr lang="be-BY" sz="1000" dirty="0" smtClean="0">
-                <a:solidFill>
-                  <a:schemeClr val="bg1"/>
-                </a:solidFill>
-                <a:latin typeface="Courier New" pitchFamily="49" charset="0"/>
-                <a:ea typeface="Calibri" pitchFamily="34" charset="0"/>
-                <a:cs typeface="Courier New" pitchFamily="49" charset="0"/>
-              </a:rPr>
-              <a:t>()</a:t>
-            </a:r>
-            <a:endParaRPr lang="be-BY" sz="900" dirty="0">
-              <a:solidFill>
-                <a:schemeClr val="bg1"/>
-              </a:solidFill>
-              <a:ea typeface="Calibri" pitchFamily="34" charset="0"/>
-              <a:cs typeface="Courier New" pitchFamily="49" charset="0"/>
-            </a:endParaRPr>
-          </a:p>
-          <a:p>
-            <a:pPr eaLnBrk="0" hangingPunct="0">
-              <a:defRPr/>
-            </a:pPr>
-            <a:r>
-              <a:rPr lang="be-BY" sz="1000" dirty="0">
-                <a:solidFill>
-                  <a:schemeClr val="bg1"/>
-                </a:solidFill>
-                <a:latin typeface="Courier New" pitchFamily="49" charset="0"/>
-                <a:ea typeface="Calibri" pitchFamily="34" charset="0"/>
-                <a:cs typeface="Courier New" pitchFamily="49" charset="0"/>
-              </a:rPr>
-              <a:t>        {</a:t>
-            </a:r>
-            <a:endParaRPr lang="be-BY" sz="900" dirty="0">
-              <a:solidFill>
-                <a:schemeClr val="bg1"/>
-              </a:solidFill>
-              <a:ea typeface="Calibri" pitchFamily="34" charset="0"/>
-              <a:cs typeface="Courier New" pitchFamily="49" charset="0"/>
-            </a:endParaRPr>
-          </a:p>
-          <a:p>
-            <a:pPr eaLnBrk="0" hangingPunct="0">
-              <a:defRPr/>
-            </a:pPr>
-            <a:r>
-              <a:rPr lang="be-BY" sz="1000" dirty="0">
-                <a:solidFill>
-                  <a:schemeClr val="bg1"/>
-                </a:solidFill>
-                <a:latin typeface="Courier New" pitchFamily="49" charset="0"/>
-                <a:ea typeface="Calibri" pitchFamily="34" charset="0"/>
-                <a:cs typeface="Courier New" pitchFamily="49" charset="0"/>
-              </a:rPr>
-              <a:t>            speed = 0;</a:t>
-            </a:r>
-            <a:endParaRPr lang="be-BY" sz="900" dirty="0">
-              <a:solidFill>
-                <a:schemeClr val="bg1"/>
-              </a:solidFill>
-              <a:ea typeface="Calibri" pitchFamily="34" charset="0"/>
-              <a:cs typeface="Courier New" pitchFamily="49" charset="0"/>
-            </a:endParaRPr>
-          </a:p>
-          <a:p>
-            <a:pPr eaLnBrk="0" hangingPunct="0">
-              <a:defRPr/>
-            </a:pPr>
-            <a:r>
-              <a:rPr lang="be-BY" sz="1000" dirty="0">
-                <a:solidFill>
-                  <a:schemeClr val="bg1"/>
-                </a:solidFill>
-                <a:latin typeface="Courier New" pitchFamily="49" charset="0"/>
-                <a:ea typeface="Calibri" pitchFamily="34" charset="0"/>
-                <a:cs typeface="Courier New" pitchFamily="49" charset="0"/>
-              </a:rPr>
-              <a:t>        }</a:t>
-            </a:r>
-            <a:endParaRPr lang="be-BY" sz="900" dirty="0">
-              <a:solidFill>
-                <a:schemeClr val="bg1"/>
-              </a:solidFill>
-              <a:ea typeface="Calibri" pitchFamily="34" charset="0"/>
-              <a:cs typeface="Courier New" pitchFamily="49" charset="0"/>
-            </a:endParaRPr>
-          </a:p>
-          <a:p>
-            <a:pPr eaLnBrk="0" hangingPunct="0">
-              <a:defRPr/>
-            </a:pPr>
-            <a:r>
-              <a:rPr lang="be-BY" sz="1000" dirty="0">
-                <a:solidFill>
-                  <a:schemeClr val="bg1"/>
-                </a:solidFill>
-                <a:latin typeface="Courier New" pitchFamily="49" charset="0"/>
-                <a:ea typeface="Calibri" pitchFamily="34" charset="0"/>
-                <a:cs typeface="Courier New" pitchFamily="49" charset="0"/>
-              </a:rPr>
-              <a:t>    }</a:t>
+              <a:t>}</a:t>
             </a:r>
             <a:endParaRPr lang="be-BY" dirty="0">
               <a:solidFill>
@@ -4809,6 +4829,9 @@
             </a:pPr>
             <a:r>
               <a:rPr lang="ru-RU" sz="1000" dirty="0">
+                <a:solidFill>
+                  <a:schemeClr val="bg1"/>
+                </a:solidFill>
                 <a:latin typeface="Courier New" pitchFamily="49" charset="0"/>
                 <a:ea typeface="Calibri" pitchFamily="34" charset="0"/>
                 <a:cs typeface="Courier New" pitchFamily="49" charset="0"/>
@@ -4816,6 +4839,9 @@
               <a:t>. . . . . . . . . . . . . . . . . . . . . . . . . </a:t>
             </a:r>
             <a:endParaRPr lang="be-BY" sz="1000" dirty="0">
+              <a:solidFill>
+                <a:schemeClr val="bg1"/>
+              </a:solidFill>
               <a:latin typeface="Courier New" pitchFamily="49" charset="0"/>
               <a:ea typeface="Calibri" pitchFamily="34" charset="0"/>
               <a:cs typeface="Courier New" pitchFamily="49" charset="0"/>
@@ -4827,43 +4853,19 @@
             </a:pPr>
             <a:r>
               <a:rPr lang="be-BY" sz="1000" dirty="0">
-                <a:latin typeface="Courier New" pitchFamily="49" charset="0"/>
-                <a:ea typeface="Calibri" pitchFamily="34" charset="0"/>
-                <a:cs typeface="Courier New" pitchFamily="49" charset="0"/>
-              </a:rPr>
-              <a:t>    </a:t>
-            </a:r>
-            <a:r>
-              <a:rPr lang="be-BY" sz="1000" dirty="0">
-                <a:solidFill>
-                  <a:srgbClr val="0000FF"/>
-                </a:solidFill>
-                <a:latin typeface="Courier New" pitchFamily="49" charset="0"/>
-                <a:ea typeface="Calibri" pitchFamily="34" charset="0"/>
-                <a:cs typeface="Courier New" pitchFamily="49" charset="0"/>
-              </a:rPr>
-              <a:t>class</a:t>
-            </a:r>
-            <a:r>
-              <a:rPr lang="be-BY" sz="1000" dirty="0">
-                <a:latin typeface="Courier New" pitchFamily="49" charset="0"/>
-                <a:ea typeface="Calibri" pitchFamily="34" charset="0"/>
-                <a:cs typeface="Courier New" pitchFamily="49" charset="0"/>
-              </a:rPr>
-              <a:t> </a:t>
-            </a:r>
-            <a:r>
-              <a:rPr lang="be-BY" sz="1000" dirty="0">
-                <a:solidFill>
-                  <a:srgbClr val="008080"/>
-                </a:solidFill>
-                <a:latin typeface="Courier New" pitchFamily="49" charset="0"/>
-                <a:ea typeface="Calibri" pitchFamily="34" charset="0"/>
-                <a:cs typeface="Courier New" pitchFamily="49" charset="0"/>
-              </a:rPr>
-              <a:t>Program</a:t>
-            </a:r>
-            <a:endParaRPr lang="be-BY" sz="900" dirty="0">
+                <a:solidFill>
+                  <a:schemeClr val="bg1"/>
+                </a:solidFill>
+                <a:latin typeface="Courier New" pitchFamily="49" charset="0"/>
+                <a:ea typeface="Calibri" pitchFamily="34" charset="0"/>
+                <a:cs typeface="Courier New" pitchFamily="49" charset="0"/>
+              </a:rPr>
+              <a:t>    class Program</a:t>
+            </a:r>
+            <a:endParaRPr lang="be-BY" sz="900" dirty="0">
+              <a:solidFill>
+                <a:schemeClr val="bg1"/>
+              </a:solidFill>
               <a:ea typeface="Calibri" pitchFamily="34" charset="0"/>
               <a:cs typeface="Courier New" pitchFamily="49" charset="0"/>
             </a:endParaRPr>
@@ -4874,6 +4876,9 @@
             </a:pPr>
             <a:r>
               <a:rPr lang="be-BY" sz="1000" dirty="0">
+                <a:solidFill>
+                  <a:schemeClr val="bg1"/>
+                </a:solidFill>
                 <a:latin typeface="Courier New" pitchFamily="49" charset="0"/>
                 <a:ea typeface="Calibri" pitchFamily="34" charset="0"/>
                 <a:cs typeface="Courier New" pitchFamily="49" charset="0"/>
@@ -4881,6 +4886,9 @@
               <a:t>    {</a:t>
             </a:r>
             <a:endParaRPr lang="be-BY" sz="900" dirty="0">
+              <a:solidFill>
+                <a:schemeClr val="bg1"/>
+              </a:solidFill>
               <a:ea typeface="Calibri" pitchFamily="34" charset="0"/>
               <a:cs typeface="Courier New" pitchFamily="49" charset="0"/>
             </a:endParaRPr>
@@ -4891,51 +4899,19 @@
             </a:pPr>
             <a:r>
               <a:rPr lang="be-BY" sz="1000" dirty="0">
-                <a:latin typeface="Courier New" pitchFamily="49" charset="0"/>
-                <a:ea typeface="Calibri" pitchFamily="34" charset="0"/>
-                <a:cs typeface="Courier New" pitchFamily="49" charset="0"/>
-              </a:rPr>
-              <a:t>        </a:t>
-            </a:r>
-            <a:r>
-              <a:rPr lang="be-BY" sz="1000" dirty="0">
-                <a:solidFill>
-                  <a:srgbClr val="0000FF"/>
-                </a:solidFill>
-                <a:latin typeface="Courier New" pitchFamily="49" charset="0"/>
-                <a:ea typeface="Calibri" pitchFamily="34" charset="0"/>
-                <a:cs typeface="Courier New" pitchFamily="49" charset="0"/>
-              </a:rPr>
-              <a:t>static</a:t>
-            </a:r>
-            <a:r>
-              <a:rPr lang="be-BY" sz="1000" dirty="0">
-                <a:latin typeface="Courier New" pitchFamily="49" charset="0"/>
-                <a:ea typeface="Calibri" pitchFamily="34" charset="0"/>
-                <a:cs typeface="Courier New" pitchFamily="49" charset="0"/>
-              </a:rPr>
-              <a:t> </a:t>
-            </a:r>
-            <a:r>
-              <a:rPr lang="be-BY" sz="1000" dirty="0">
-                <a:solidFill>
-                  <a:srgbClr val="008080"/>
-                </a:solidFill>
-                <a:latin typeface="Courier New" pitchFamily="49" charset="0"/>
-                <a:ea typeface="Calibri" pitchFamily="34" charset="0"/>
-                <a:cs typeface="Courier New" pitchFamily="49" charset="0"/>
-              </a:rPr>
-              <a:t>Car</a:t>
-            </a:r>
-            <a:r>
-              <a:rPr lang="be-BY" sz="1000" dirty="0">
-                <a:latin typeface="Courier New" pitchFamily="49" charset="0"/>
-                <a:ea typeface="Calibri" pitchFamily="34" charset="0"/>
-                <a:cs typeface="Courier New" pitchFamily="49" charset="0"/>
-              </a:rPr>
-              <a:t> bmw;</a:t>
-            </a:r>
-            <a:endParaRPr lang="be-BY" sz="900" dirty="0">
+                <a:solidFill>
+                  <a:schemeClr val="bg1"/>
+                </a:solidFill>
+                <a:latin typeface="Courier New" pitchFamily="49" charset="0"/>
+                <a:ea typeface="Calibri" pitchFamily="34" charset="0"/>
+                <a:cs typeface="Courier New" pitchFamily="49" charset="0"/>
+              </a:rPr>
+              <a:t>        static Car bmw;</a:t>
+            </a:r>
+            <a:endParaRPr lang="be-BY" sz="900" dirty="0">
+              <a:solidFill>
+                <a:schemeClr val="bg1"/>
+              </a:solidFill>
               <a:ea typeface="Calibri" pitchFamily="34" charset="0"/>
               <a:cs typeface="Courier New" pitchFamily="49" charset="0"/>
             </a:endParaRPr>
@@ -4946,35 +4922,19 @@
             </a:pPr>
             <a:r>
               <a:rPr lang="be-BY" sz="1000" dirty="0">
-                <a:latin typeface="Courier New" pitchFamily="49" charset="0"/>
-                <a:ea typeface="Calibri" pitchFamily="34" charset="0"/>
-                <a:cs typeface="Courier New" pitchFamily="49" charset="0"/>
-              </a:rPr>
-              <a:t>        </a:t>
-            </a:r>
-            <a:r>
-              <a:rPr lang="be-BY" sz="1000" dirty="0">
-                <a:solidFill>
-                  <a:srgbClr val="0000FF"/>
-                </a:solidFill>
-                <a:latin typeface="Courier New" pitchFamily="49" charset="0"/>
-                <a:ea typeface="Calibri" pitchFamily="34" charset="0"/>
-                <a:cs typeface="Courier New" pitchFamily="49" charset="0"/>
-              </a:rPr>
-              <a:t>static</a:t>
-            </a:r>
-            <a:r>
-              <a:rPr lang="be-BY" sz="1000" dirty="0">
-                <a:latin typeface="Courier New" pitchFamily="49" charset="0"/>
-                <a:ea typeface="Calibri" pitchFamily="34" charset="0"/>
-                <a:cs typeface="Courier New" pitchFamily="49" charset="0"/>
-              </a:rPr>
-              <a:t> </a:t>
+                <a:solidFill>
+                  <a:schemeClr val="bg1"/>
+                </a:solidFill>
+                <a:latin typeface="Courier New" pitchFamily="49" charset="0"/>
+                <a:ea typeface="Calibri" pitchFamily="34" charset="0"/>
+                <a:cs typeface="Courier New" pitchFamily="49" charset="0"/>
+              </a:rPr>
+              <a:t>        static </a:t>
             </a:r>
             <a:r>
               <a:rPr lang="en-US" sz="1000" dirty="0">
                 <a:solidFill>
-                  <a:srgbClr val="0000FF"/>
+                  <a:schemeClr val="bg1"/>
                 </a:solidFill>
                 <a:latin typeface="Courier New" pitchFamily="49" charset="0"/>
                 <a:ea typeface="Calibri" pitchFamily="34" charset="0"/>
@@ -4984,6 +4944,9 @@
             </a:r>
             <a:r>
               <a:rPr lang="be-BY" sz="1000" dirty="0">
+                <a:solidFill>
+                  <a:schemeClr val="bg1"/>
+                </a:solidFill>
                 <a:latin typeface="Courier New" pitchFamily="49" charset="0"/>
                 <a:ea typeface="Calibri" pitchFamily="34" charset="0"/>
                 <a:cs typeface="Courier New" pitchFamily="49" charset="0"/>
@@ -4991,6 +4954,9 @@
               <a:t>Repare()</a:t>
             </a:r>
             <a:endParaRPr lang="be-BY" sz="900" dirty="0">
+              <a:solidFill>
+                <a:schemeClr val="bg1"/>
+              </a:solidFill>
               <a:ea typeface="Calibri" pitchFamily="34" charset="0"/>
               <a:cs typeface="Courier New" pitchFamily="49" charset="0"/>
             </a:endParaRPr>
@@ -5001,6 +4967,9 @@
             </a:pPr>
             <a:r>
               <a:rPr lang="be-BY" sz="1000" dirty="0">
+                <a:solidFill>
+                  <a:schemeClr val="bg1"/>
+                </a:solidFill>
                 <a:latin typeface="Courier New" pitchFamily="49" charset="0"/>
                 <a:ea typeface="Calibri" pitchFamily="34" charset="0"/>
                 <a:cs typeface="Courier New" pitchFamily="49" charset="0"/>
@@ -5008,6 +4977,9 @@
               <a:t>        {</a:t>
             </a:r>
             <a:endParaRPr lang="be-BY" sz="900" dirty="0">
+              <a:solidFill>
+                <a:schemeClr val="bg1"/>
+              </a:solidFill>
               <a:ea typeface="Calibri" pitchFamily="34" charset="0"/>
               <a:cs typeface="Courier New" pitchFamily="49" charset="0"/>
             </a:endParaRPr>
@@ -5018,32 +4990,19 @@
             </a:pPr>
             <a:r>
               <a:rPr lang="be-BY" sz="1000" dirty="0">
-                <a:latin typeface="Courier New" pitchFamily="49" charset="0"/>
-                <a:ea typeface="Calibri" pitchFamily="34" charset="0"/>
-                <a:cs typeface="Courier New" pitchFamily="49" charset="0"/>
-              </a:rPr>
-              <a:t>            System.Threading.</a:t>
-            </a:r>
-            <a:r>
-              <a:rPr lang="be-BY" sz="1000" dirty="0">
-                <a:solidFill>
-                  <a:srgbClr val="008080"/>
-                </a:solidFill>
-                <a:latin typeface="Courier New" pitchFamily="49" charset="0"/>
-                <a:ea typeface="Calibri" pitchFamily="34" charset="0"/>
-                <a:cs typeface="Courier New" pitchFamily="49" charset="0"/>
-              </a:rPr>
-              <a:t>Thread</a:t>
-            </a:r>
-            <a:r>
-              <a:rPr lang="be-BY" sz="1000" dirty="0">
-                <a:latin typeface="Courier New" pitchFamily="49" charset="0"/>
-                <a:ea typeface="Calibri" pitchFamily="34" charset="0"/>
-                <a:cs typeface="Courier New" pitchFamily="49" charset="0"/>
-              </a:rPr>
-              <a:t>.Sleep(600);</a:t>
-            </a:r>
-            <a:endParaRPr lang="be-BY" sz="900" dirty="0">
+                <a:solidFill>
+                  <a:schemeClr val="bg1"/>
+                </a:solidFill>
+                <a:latin typeface="Courier New" pitchFamily="49" charset="0"/>
+                <a:ea typeface="Calibri" pitchFamily="34" charset="0"/>
+                <a:cs typeface="Courier New" pitchFamily="49" charset="0"/>
+              </a:rPr>
+              <a:t>            System.Threading.Thread.Sleep(600);</a:t>
+            </a:r>
+            <a:endParaRPr lang="be-BY" sz="900" dirty="0">
+              <a:solidFill>
+                <a:schemeClr val="bg1"/>
+              </a:solidFill>
               <a:ea typeface="Calibri" pitchFamily="34" charset="0"/>
               <a:cs typeface="Courier New" pitchFamily="49" charset="0"/>
             </a:endParaRPr>
@@ -5054,51 +5013,19 @@
             </a:pPr>
             <a:r>
               <a:rPr lang="be-BY" sz="1000" dirty="0">
-                <a:latin typeface="Courier New" pitchFamily="49" charset="0"/>
-                <a:ea typeface="Calibri" pitchFamily="34" charset="0"/>
-                <a:cs typeface="Courier New" pitchFamily="49" charset="0"/>
-              </a:rPr>
-              <a:t>            </a:t>
-            </a:r>
-            <a:r>
-              <a:rPr lang="be-BY" sz="1000" dirty="0">
-                <a:solidFill>
-                  <a:srgbClr val="008080"/>
-                </a:solidFill>
-                <a:latin typeface="Courier New" pitchFamily="49" charset="0"/>
-                <a:ea typeface="Calibri" pitchFamily="34" charset="0"/>
-                <a:cs typeface="Courier New" pitchFamily="49" charset="0"/>
-              </a:rPr>
-              <a:t>Console</a:t>
-            </a:r>
-            <a:r>
-              <a:rPr lang="be-BY" sz="1000" dirty="0">
-                <a:latin typeface="Courier New" pitchFamily="49" charset="0"/>
-                <a:ea typeface="Calibri" pitchFamily="34" charset="0"/>
-                <a:cs typeface="Courier New" pitchFamily="49" charset="0"/>
-              </a:rPr>
-              <a:t>.WriteLine(</a:t>
-            </a:r>
-            <a:r>
-              <a:rPr lang="be-BY" sz="1000" dirty="0">
-                <a:solidFill>
-                  <a:srgbClr val="800000"/>
-                </a:solidFill>
-                <a:latin typeface="Courier New" pitchFamily="49" charset="0"/>
-                <a:ea typeface="Calibri" pitchFamily="34" charset="0"/>
-                <a:cs typeface="Courier New" pitchFamily="49" charset="0"/>
-              </a:rPr>
-              <a:t>"Repared!"</a:t>
-            </a:r>
-            <a:r>
-              <a:rPr lang="be-BY" sz="1000" dirty="0">
-                <a:latin typeface="Courier New" pitchFamily="49" charset="0"/>
-                <a:ea typeface="Calibri" pitchFamily="34" charset="0"/>
-                <a:cs typeface="Courier New" pitchFamily="49" charset="0"/>
-              </a:rPr>
-              <a:t>);</a:t>
-            </a:r>
-            <a:endParaRPr lang="be-BY" sz="900" dirty="0">
+                <a:solidFill>
+                  <a:schemeClr val="bg1"/>
+                </a:solidFill>
+                <a:latin typeface="Courier New" pitchFamily="49" charset="0"/>
+                <a:ea typeface="Calibri" pitchFamily="34" charset="0"/>
+                <a:cs typeface="Courier New" pitchFamily="49" charset="0"/>
+              </a:rPr>
+              <a:t>            Console.WriteLine("Repared!");</a:t>
+            </a:r>
+            <a:endParaRPr lang="be-BY" sz="900" dirty="0">
+              <a:solidFill>
+                <a:schemeClr val="bg1"/>
+              </a:solidFill>
               <a:ea typeface="Calibri" pitchFamily="34" charset="0"/>
               <a:cs typeface="Courier New" pitchFamily="49" charset="0"/>
             </a:endParaRPr>
@@ -5109,6 +5036,9 @@
             </a:pPr>
             <a:r>
               <a:rPr lang="be-BY" sz="1000" dirty="0">
+                <a:solidFill>
+                  <a:schemeClr val="bg1"/>
+                </a:solidFill>
                 <a:latin typeface="Courier New" pitchFamily="49" charset="0"/>
                 <a:ea typeface="Calibri" pitchFamily="34" charset="0"/>
                 <a:cs typeface="Courier New" pitchFamily="49" charset="0"/>
@@ -5116,6 +5046,9 @@
               <a:t>            bmw.Repare();</a:t>
             </a:r>
             <a:endParaRPr lang="be-BY" sz="900" dirty="0">
+              <a:solidFill>
+                <a:schemeClr val="bg1"/>
+              </a:solidFill>
               <a:ea typeface="Calibri" pitchFamily="34" charset="0"/>
               <a:cs typeface="Courier New" pitchFamily="49" charset="0"/>
             </a:endParaRPr>
@@ -5126,6 +5059,9 @@
             </a:pPr>
             <a:r>
               <a:rPr lang="be-BY" sz="1000" dirty="0">
+                <a:solidFill>
+                  <a:schemeClr val="bg1"/>
+                </a:solidFill>
                 <a:latin typeface="Courier New" pitchFamily="49" charset="0"/>
                 <a:ea typeface="Calibri" pitchFamily="34" charset="0"/>
                 <a:cs typeface="Courier New" pitchFamily="49" charset="0"/>
@@ -5133,6 +5069,9 @@
               <a:t>        }</a:t>
             </a:r>
             <a:endParaRPr lang="en-US" sz="1000" dirty="0">
+              <a:solidFill>
+                <a:schemeClr val="bg1"/>
+              </a:solidFill>
               <a:latin typeface="Courier New" pitchFamily="49" charset="0"/>
               <a:ea typeface="Calibri" pitchFamily="34" charset="0"/>
               <a:cs typeface="Courier New" pitchFamily="49" charset="0"/>
@@ -5143,6 +5082,9 @@
               <a:defRPr/>
             </a:pPr>
             <a:endParaRPr lang="be-BY" sz="900" dirty="0">
+              <a:solidFill>
+                <a:schemeClr val="bg1"/>
+              </a:solidFill>
               <a:ea typeface="Calibri" pitchFamily="34" charset="0"/>
               <a:cs typeface="Courier New" pitchFamily="49" charset="0"/>
             </a:endParaRPr>
@@ -5153,70 +5095,19 @@
             </a:pPr>
             <a:r>
               <a:rPr lang="be-BY" sz="1000" dirty="0">
-                <a:latin typeface="Courier New" pitchFamily="49" charset="0"/>
-                <a:ea typeface="Calibri" pitchFamily="34" charset="0"/>
-                <a:cs typeface="Courier New" pitchFamily="49" charset="0"/>
-              </a:rPr>
-              <a:t>        </a:t>
-            </a:r>
-            <a:r>
-              <a:rPr lang="be-BY" sz="1000" dirty="0">
-                <a:solidFill>
-                  <a:srgbClr val="0000FF"/>
-                </a:solidFill>
-                <a:latin typeface="Courier New" pitchFamily="49" charset="0"/>
-                <a:ea typeface="Calibri" pitchFamily="34" charset="0"/>
-                <a:cs typeface="Courier New" pitchFamily="49" charset="0"/>
-              </a:rPr>
-              <a:t>static</a:t>
-            </a:r>
-            <a:r>
-              <a:rPr lang="be-BY" sz="1000" dirty="0">
-                <a:latin typeface="Courier New" pitchFamily="49" charset="0"/>
-                <a:ea typeface="Calibri" pitchFamily="34" charset="0"/>
-                <a:cs typeface="Courier New" pitchFamily="49" charset="0"/>
-              </a:rPr>
-              <a:t> </a:t>
-            </a:r>
-            <a:r>
-              <a:rPr lang="be-BY" sz="1000" dirty="0">
-                <a:solidFill>
-                  <a:srgbClr val="0000FF"/>
-                </a:solidFill>
-                <a:latin typeface="Courier New" pitchFamily="49" charset="0"/>
-                <a:ea typeface="Calibri" pitchFamily="34" charset="0"/>
-                <a:cs typeface="Courier New" pitchFamily="49" charset="0"/>
-              </a:rPr>
-              <a:t>void</a:t>
-            </a:r>
-            <a:r>
-              <a:rPr lang="be-BY" sz="1000" dirty="0">
-                <a:latin typeface="Courier New" pitchFamily="49" charset="0"/>
-                <a:ea typeface="Calibri" pitchFamily="34" charset="0"/>
-                <a:cs typeface="Courier New" pitchFamily="49" charset="0"/>
-              </a:rPr>
-              <a:t> Main(</a:t>
-            </a:r>
-            <a:r>
-              <a:rPr lang="be-BY" sz="1000" dirty="0">
-                <a:solidFill>
-                  <a:srgbClr val="0000FF"/>
-                </a:solidFill>
-                <a:latin typeface="Courier New" pitchFamily="49" charset="0"/>
-                <a:ea typeface="Calibri" pitchFamily="34" charset="0"/>
-                <a:cs typeface="Courier New" pitchFamily="49" charset="0"/>
-              </a:rPr>
-              <a:t>string</a:t>
-            </a:r>
-            <a:r>
-              <a:rPr lang="be-BY" sz="1000" dirty="0">
-                <a:latin typeface="Courier New" pitchFamily="49" charset="0"/>
-                <a:ea typeface="Calibri" pitchFamily="34" charset="0"/>
-                <a:cs typeface="Courier New" pitchFamily="49" charset="0"/>
-              </a:rPr>
-              <a:t>[] args)</a:t>
-            </a:r>
-            <a:endParaRPr lang="be-BY" sz="900" dirty="0">
+                <a:solidFill>
+                  <a:schemeClr val="bg1"/>
+                </a:solidFill>
+                <a:latin typeface="Courier New" pitchFamily="49" charset="0"/>
+                <a:ea typeface="Calibri" pitchFamily="34" charset="0"/>
+                <a:cs typeface="Courier New" pitchFamily="49" charset="0"/>
+              </a:rPr>
+              <a:t>        static void Main(string[] args)</a:t>
+            </a:r>
+            <a:endParaRPr lang="be-BY" sz="900" dirty="0">
+              <a:solidFill>
+                <a:schemeClr val="bg1"/>
+              </a:solidFill>
               <a:ea typeface="Calibri" pitchFamily="34" charset="0"/>
               <a:cs typeface="Courier New" pitchFamily="49" charset="0"/>
             </a:endParaRPr>
@@ -5227,6 +5118,9 @@
             </a:pPr>
             <a:r>
               <a:rPr lang="be-BY" sz="1000" dirty="0">
+                <a:solidFill>
+                  <a:schemeClr val="bg1"/>
+                </a:solidFill>
                 <a:latin typeface="Courier New" pitchFamily="49" charset="0"/>
                 <a:ea typeface="Calibri" pitchFamily="34" charset="0"/>
                 <a:cs typeface="Courier New" pitchFamily="49" charset="0"/>
@@ -5234,6 +5128,9 @@
               <a:t>        {</a:t>
             </a:r>
             <a:endParaRPr lang="be-BY" sz="900" dirty="0">
+              <a:solidFill>
+                <a:schemeClr val="bg1"/>
+              </a:solidFill>
               <a:ea typeface="Calibri" pitchFamily="34" charset="0"/>
               <a:cs typeface="Courier New" pitchFamily="49" charset="0"/>
             </a:endParaRPr>
@@ -5244,51 +5141,19 @@
             </a:pPr>
             <a:r>
               <a:rPr lang="be-BY" sz="1000" dirty="0">
-                <a:latin typeface="Courier New" pitchFamily="49" charset="0"/>
-                <a:ea typeface="Calibri" pitchFamily="34" charset="0"/>
-                <a:cs typeface="Courier New" pitchFamily="49" charset="0"/>
-              </a:rPr>
-              <a:t>            bmw = </a:t>
-            </a:r>
-            <a:r>
-              <a:rPr lang="be-BY" sz="1000" dirty="0">
-                <a:solidFill>
-                  <a:srgbClr val="0000FF"/>
-                </a:solidFill>
-                <a:latin typeface="Courier New" pitchFamily="49" charset="0"/>
-                <a:ea typeface="Calibri" pitchFamily="34" charset="0"/>
-                <a:cs typeface="Courier New" pitchFamily="49" charset="0"/>
-              </a:rPr>
-              <a:t>new</a:t>
-            </a:r>
-            <a:r>
-              <a:rPr lang="be-BY" sz="1000" dirty="0">
-                <a:latin typeface="Courier New" pitchFamily="49" charset="0"/>
-                <a:ea typeface="Calibri" pitchFamily="34" charset="0"/>
-                <a:cs typeface="Courier New" pitchFamily="49" charset="0"/>
-              </a:rPr>
-              <a:t> </a:t>
-            </a:r>
-            <a:r>
-              <a:rPr lang="be-BY" sz="1000" dirty="0">
-                <a:solidFill>
-                  <a:srgbClr val="008080"/>
-                </a:solidFill>
-                <a:latin typeface="Courier New" pitchFamily="49" charset="0"/>
-                <a:ea typeface="Calibri" pitchFamily="34" charset="0"/>
-                <a:cs typeface="Courier New" pitchFamily="49" charset="0"/>
-              </a:rPr>
-              <a:t>Car</a:t>
-            </a:r>
-            <a:r>
-              <a:rPr lang="be-BY" sz="1000" dirty="0">
-                <a:latin typeface="Courier New" pitchFamily="49" charset="0"/>
-                <a:ea typeface="Calibri" pitchFamily="34" charset="0"/>
-                <a:cs typeface="Courier New" pitchFamily="49" charset="0"/>
-              </a:rPr>
-              <a:t>();</a:t>
-            </a:r>
-            <a:endParaRPr lang="be-BY" sz="900" dirty="0">
+                <a:solidFill>
+                  <a:schemeClr val="bg1"/>
+                </a:solidFill>
+                <a:latin typeface="Courier New" pitchFamily="49" charset="0"/>
+                <a:ea typeface="Calibri" pitchFamily="34" charset="0"/>
+                <a:cs typeface="Courier New" pitchFamily="49" charset="0"/>
+              </a:rPr>
+              <a:t>            bmw = new Car();</a:t>
+            </a:r>
+            <a:endParaRPr lang="be-BY" sz="900" dirty="0">
+              <a:solidFill>
+                <a:schemeClr val="bg1"/>
+              </a:solidFill>
               <a:ea typeface="Calibri" pitchFamily="34" charset="0"/>
               <a:cs typeface="Courier New" pitchFamily="49" charset="0"/>
             </a:endParaRPr>
@@ -5299,27 +5164,19 @@
             </a:pPr>
             <a:r>
               <a:rPr lang="be-BY" sz="1000" dirty="0">
-                <a:latin typeface="Courier New" pitchFamily="49" charset="0"/>
-                <a:ea typeface="Calibri" pitchFamily="34" charset="0"/>
-                <a:cs typeface="Courier New" pitchFamily="49" charset="0"/>
-              </a:rPr>
-              <a:t>            bmw.explode += Repare;		</a:t>
-            </a:r>
-            <a:r>
-              <a:rPr lang="be-BY" sz="1000" dirty="0">
-                <a:solidFill>
-                  <a:srgbClr val="008000"/>
-                </a:solidFill>
-                <a:latin typeface="Courier New" pitchFamily="49" charset="0"/>
-                <a:ea typeface="Calibri" pitchFamily="34" charset="0"/>
-                <a:cs typeface="Courier New" pitchFamily="49" charset="0"/>
-              </a:rPr>
-              <a:t>//Шаг 2. Регистрация обработчика</a:t>
+                <a:solidFill>
+                  <a:schemeClr val="bg1"/>
+                </a:solidFill>
+                <a:latin typeface="Courier New" pitchFamily="49" charset="0"/>
+                <a:ea typeface="Calibri" pitchFamily="34" charset="0"/>
+                <a:cs typeface="Courier New" pitchFamily="49" charset="0"/>
+              </a:rPr>
+              <a:t>            bmw.explode += Repare;		//Шаг 2. Регистрация обработчика</a:t>
             </a:r>
             <a:r>
               <a:rPr lang="be-BY" sz="900" dirty="0">
                 <a:solidFill>
-                  <a:srgbClr val="008000"/>
+                  <a:schemeClr val="bg1"/>
                 </a:solidFill>
                 <a:latin typeface="Courier New" pitchFamily="49" charset="0"/>
                 <a:ea typeface="Calibri" pitchFamily="34" charset="0"/>
@@ -5329,7 +5186,7 @@
             </a:r>
             <a:endParaRPr lang="be-BY" sz="900" dirty="0">
               <a:solidFill>
-                <a:srgbClr val="008000"/>
+                <a:schemeClr val="bg1"/>
               </a:solidFill>
               <a:ea typeface="Calibri" pitchFamily="34" charset="0"/>
               <a:cs typeface="Courier New" pitchFamily="49" charset="0"/>
@@ -5341,51 +5198,19 @@
             </a:pPr>
             <a:r>
               <a:rPr lang="be-BY" sz="1000" dirty="0">
-                <a:latin typeface="Courier New" pitchFamily="49" charset="0"/>
-                <a:ea typeface="Calibri" pitchFamily="34" charset="0"/>
-                <a:cs typeface="Courier New" pitchFamily="49" charset="0"/>
-              </a:rPr>
-              <a:t>            </a:t>
-            </a:r>
-            <a:r>
-              <a:rPr lang="be-BY" sz="1000" dirty="0">
-                <a:solidFill>
-                  <a:srgbClr val="0000FF"/>
-                </a:solidFill>
-                <a:latin typeface="Courier New" pitchFamily="49" charset="0"/>
-                <a:ea typeface="Calibri" pitchFamily="34" charset="0"/>
-                <a:cs typeface="Courier New" pitchFamily="49" charset="0"/>
-              </a:rPr>
-              <a:t>while</a:t>
-            </a:r>
-            <a:r>
-              <a:rPr lang="be-BY" sz="1000" dirty="0">
-                <a:latin typeface="Courier New" pitchFamily="49" charset="0"/>
-                <a:ea typeface="Calibri" pitchFamily="34" charset="0"/>
-                <a:cs typeface="Courier New" pitchFamily="49" charset="0"/>
-              </a:rPr>
-              <a:t> (</a:t>
-            </a:r>
-            <a:r>
-              <a:rPr lang="be-BY" sz="1000" dirty="0">
-                <a:solidFill>
-                  <a:srgbClr val="0000FF"/>
-                </a:solidFill>
-                <a:latin typeface="Courier New" pitchFamily="49" charset="0"/>
-                <a:ea typeface="Calibri" pitchFamily="34" charset="0"/>
-                <a:cs typeface="Courier New" pitchFamily="49" charset="0"/>
-              </a:rPr>
-              <a:t>true</a:t>
-            </a:r>
-            <a:r>
-              <a:rPr lang="be-BY" sz="1000" dirty="0">
-                <a:latin typeface="Courier New" pitchFamily="49" charset="0"/>
-                <a:ea typeface="Calibri" pitchFamily="34" charset="0"/>
-                <a:cs typeface="Courier New" pitchFamily="49" charset="0"/>
-              </a:rPr>
-              <a:t>)</a:t>
-            </a:r>
-            <a:endParaRPr lang="be-BY" sz="900" dirty="0">
+                <a:solidFill>
+                  <a:schemeClr val="bg1"/>
+                </a:solidFill>
+                <a:latin typeface="Courier New" pitchFamily="49" charset="0"/>
+                <a:ea typeface="Calibri" pitchFamily="34" charset="0"/>
+                <a:cs typeface="Courier New" pitchFamily="49" charset="0"/>
+              </a:rPr>
+              <a:t>            while (true)</a:t>
+            </a:r>
+            <a:endParaRPr lang="be-BY" sz="900" dirty="0">
+              <a:solidFill>
+                <a:schemeClr val="bg1"/>
+              </a:solidFill>
               <a:ea typeface="Calibri" pitchFamily="34" charset="0"/>
               <a:cs typeface="Courier New" pitchFamily="49" charset="0"/>
             </a:endParaRPr>
@@ -5396,6 +5221,9 @@
             </a:pPr>
             <a:r>
               <a:rPr lang="be-BY" sz="1000" dirty="0">
+                <a:solidFill>
+                  <a:schemeClr val="bg1"/>
+                </a:solidFill>
                 <a:latin typeface="Courier New" pitchFamily="49" charset="0"/>
                 <a:ea typeface="Calibri" pitchFamily="34" charset="0"/>
                 <a:cs typeface="Courier New" pitchFamily="49" charset="0"/>
@@ -5403,6 +5231,9 @@
               <a:t>            {</a:t>
             </a:r>
             <a:endParaRPr lang="be-BY" sz="900" dirty="0">
+              <a:solidFill>
+                <a:schemeClr val="bg1"/>
+              </a:solidFill>
               <a:ea typeface="Calibri" pitchFamily="34" charset="0"/>
               <a:cs typeface="Courier New" pitchFamily="49" charset="0"/>
             </a:endParaRPr>
@@ -5413,6 +5244,9 @@
             </a:pPr>
             <a:r>
               <a:rPr lang="be-BY" sz="1000" dirty="0">
+                <a:solidFill>
+                  <a:schemeClr val="bg1"/>
+                </a:solidFill>
                 <a:latin typeface="Courier New" pitchFamily="49" charset="0"/>
                 <a:ea typeface="Calibri" pitchFamily="34" charset="0"/>
                 <a:cs typeface="Courier New" pitchFamily="49" charset="0"/>
@@ -5420,6 +5254,9 @@
               <a:t>                bmw.AddSpeed();</a:t>
             </a:r>
             <a:endParaRPr lang="be-BY" sz="900" dirty="0">
+              <a:solidFill>
+                <a:schemeClr val="bg1"/>
+              </a:solidFill>
               <a:ea typeface="Calibri" pitchFamily="34" charset="0"/>
               <a:cs typeface="Courier New" pitchFamily="49" charset="0"/>
             </a:endParaRPr>
@@ -5430,32 +5267,19 @@
             </a:pPr>
             <a:r>
               <a:rPr lang="be-BY" sz="1000" dirty="0">
-                <a:latin typeface="Courier New" pitchFamily="49" charset="0"/>
-                <a:ea typeface="Calibri" pitchFamily="34" charset="0"/>
-                <a:cs typeface="Courier New" pitchFamily="49" charset="0"/>
-              </a:rPr>
-              <a:t>                System.Threading.</a:t>
-            </a:r>
-            <a:r>
-              <a:rPr lang="be-BY" sz="1000" dirty="0">
-                <a:solidFill>
-                  <a:srgbClr val="008080"/>
-                </a:solidFill>
-                <a:latin typeface="Courier New" pitchFamily="49" charset="0"/>
-                <a:ea typeface="Calibri" pitchFamily="34" charset="0"/>
-                <a:cs typeface="Courier New" pitchFamily="49" charset="0"/>
-              </a:rPr>
-              <a:t>Thread</a:t>
-            </a:r>
-            <a:r>
-              <a:rPr lang="be-BY" sz="1000" dirty="0">
-                <a:latin typeface="Courier New" pitchFamily="49" charset="0"/>
-                <a:ea typeface="Calibri" pitchFamily="34" charset="0"/>
-                <a:cs typeface="Courier New" pitchFamily="49" charset="0"/>
-              </a:rPr>
-              <a:t>.Sleep(200);</a:t>
-            </a:r>
-            <a:endParaRPr lang="be-BY" sz="900" dirty="0">
+                <a:solidFill>
+                  <a:schemeClr val="bg1"/>
+                </a:solidFill>
+                <a:latin typeface="Courier New" pitchFamily="49" charset="0"/>
+                <a:ea typeface="Calibri" pitchFamily="34" charset="0"/>
+                <a:cs typeface="Courier New" pitchFamily="49" charset="0"/>
+              </a:rPr>
+              <a:t>                System.Threading.Thread.Sleep(200);</a:t>
+            </a:r>
+            <a:endParaRPr lang="be-BY" sz="900" dirty="0">
+              <a:solidFill>
+                <a:schemeClr val="bg1"/>
+              </a:solidFill>
               <a:ea typeface="Calibri" pitchFamily="34" charset="0"/>
               <a:cs typeface="Courier New" pitchFamily="49" charset="0"/>
             </a:endParaRPr>
@@ -5466,6 +5290,9 @@
             </a:pPr>
             <a:r>
               <a:rPr lang="be-BY" sz="1000" dirty="0">
+                <a:solidFill>
+                  <a:schemeClr val="bg1"/>
+                </a:solidFill>
                 <a:latin typeface="Courier New" pitchFamily="49" charset="0"/>
                 <a:ea typeface="Calibri" pitchFamily="34" charset="0"/>
                 <a:cs typeface="Courier New" pitchFamily="49" charset="0"/>
@@ -5473,6 +5300,9 @@
               <a:t>            }</a:t>
             </a:r>
             <a:endParaRPr lang="be-BY" sz="900" dirty="0">
+              <a:solidFill>
+                <a:schemeClr val="bg1"/>
+              </a:solidFill>
               <a:ea typeface="Calibri" pitchFamily="34" charset="0"/>
               <a:cs typeface="Courier New" pitchFamily="49" charset="0"/>
             </a:endParaRPr>
@@ -5483,6 +5313,9 @@
             </a:pPr>
             <a:r>
               <a:rPr lang="be-BY" sz="1000" dirty="0">
+                <a:solidFill>
+                  <a:schemeClr val="bg1"/>
+                </a:solidFill>
                 <a:latin typeface="Courier New" pitchFamily="49" charset="0"/>
                 <a:ea typeface="Calibri" pitchFamily="34" charset="0"/>
                 <a:cs typeface="Courier New" pitchFamily="49" charset="0"/>
@@ -5490,6 +5323,9 @@
               <a:t>        }</a:t>
             </a:r>
             <a:endParaRPr lang="be-BY" sz="900" dirty="0">
+              <a:solidFill>
+                <a:schemeClr val="bg1"/>
+              </a:solidFill>
               <a:ea typeface="Calibri" pitchFamily="34" charset="0"/>
               <a:cs typeface="Courier New" pitchFamily="49" charset="0"/>
             </a:endParaRPr>
@@ -5500,6 +5336,9 @@
             </a:pPr>
             <a:r>
               <a:rPr lang="be-BY" sz="1000" dirty="0">
+                <a:solidFill>
+                  <a:schemeClr val="bg1"/>
+                </a:solidFill>
                 <a:latin typeface="Courier New" pitchFamily="49" charset="0"/>
                 <a:ea typeface="Calibri" pitchFamily="34" charset="0"/>
                 <a:cs typeface="Courier New" pitchFamily="49" charset="0"/>
@@ -5507,6 +5346,9 @@
               <a:t>    }</a:t>
             </a:r>
             <a:endParaRPr lang="be-BY" dirty="0">
+              <a:solidFill>
+                <a:schemeClr val="bg1"/>
+              </a:solidFill>
               <a:ea typeface="Calibri" pitchFamily="34" charset="0"/>
               <a:cs typeface="Courier New" pitchFamily="49" charset="0"/>
             </a:endParaRPr>
@@ -7964,9 +7806,6 @@
               </a:rPr>
               <a:t>task-gui-seconds-counter.docx</a:t>
             </a:r>
-            <a:endParaRPr lang="en-US" i="1" dirty="0">
-              <a:cs typeface="Arial" charset="0"/>
-            </a:endParaRPr>
           </a:p>
         </p:txBody>
       </p:sp>
